--- a/Poster_JieZhu.pptx
+++ b/Poster_JieZhu.pptx
@@ -302,7 +302,7 @@
           <a:p>
             <a:fld id="{2280919C-9BF4-2E48-B1DA-A899560EBF1A}" type="datetimeFigureOut">
               <a:rPr lang="en-US" smtClean="0"/>
-              <a:t>4/10/2022</a:t>
+              <a:t>4/15/2022</a:t>
             </a:fld>
             <a:endParaRPr lang="en-US"/>
           </a:p>
@@ -540,7 +540,7 @@
           <a:p>
             <a:fld id="{2280919C-9BF4-2E48-B1DA-A899560EBF1A}" type="datetimeFigureOut">
               <a:rPr lang="en-US" smtClean="0"/>
-              <a:t>4/10/2022</a:t>
+              <a:t>4/15/2022</a:t>
             </a:fld>
             <a:endParaRPr lang="en-US"/>
           </a:p>
@@ -718,7 +718,7 @@
           <a:p>
             <a:fld id="{2280919C-9BF4-2E48-B1DA-A899560EBF1A}" type="datetimeFigureOut">
               <a:rPr lang="en-US" smtClean="0"/>
-              <a:t>4/10/2022</a:t>
+              <a:t>4/15/2022</a:t>
             </a:fld>
             <a:endParaRPr lang="en-US"/>
           </a:p>
@@ -886,7 +886,7 @@
           <a:p>
             <a:fld id="{2280919C-9BF4-2E48-B1DA-A899560EBF1A}" type="datetimeFigureOut">
               <a:rPr lang="en-US" smtClean="0"/>
-              <a:t>4/10/2022</a:t>
+              <a:t>4/15/2022</a:t>
             </a:fld>
             <a:endParaRPr lang="en-US"/>
           </a:p>
@@ -1131,7 +1131,7 @@
           <a:p>
             <a:fld id="{2280919C-9BF4-2E48-B1DA-A899560EBF1A}" type="datetimeFigureOut">
               <a:rPr lang="en-US" smtClean="0"/>
-              <a:t>4/10/2022</a:t>
+              <a:t>4/15/2022</a:t>
             </a:fld>
             <a:endParaRPr lang="en-US"/>
           </a:p>
@@ -1416,7 +1416,7 @@
           <a:p>
             <a:fld id="{2280919C-9BF4-2E48-B1DA-A899560EBF1A}" type="datetimeFigureOut">
               <a:rPr lang="en-US" smtClean="0"/>
-              <a:t>4/10/2022</a:t>
+              <a:t>4/15/2022</a:t>
             </a:fld>
             <a:endParaRPr lang="en-US"/>
           </a:p>
@@ -1840,7 +1840,7 @@
           <a:p>
             <a:fld id="{2280919C-9BF4-2E48-B1DA-A899560EBF1A}" type="datetimeFigureOut">
               <a:rPr lang="en-US" smtClean="0"/>
-              <a:t>4/10/2022</a:t>
+              <a:t>4/15/2022</a:t>
             </a:fld>
             <a:endParaRPr lang="en-US"/>
           </a:p>
@@ -1957,7 +1957,7 @@
           <a:p>
             <a:fld id="{2280919C-9BF4-2E48-B1DA-A899560EBF1A}" type="datetimeFigureOut">
               <a:rPr lang="en-US" smtClean="0"/>
-              <a:t>4/10/2022</a:t>
+              <a:t>4/15/2022</a:t>
             </a:fld>
             <a:endParaRPr lang="en-US"/>
           </a:p>
@@ -2052,7 +2052,7 @@
           <a:p>
             <a:fld id="{2280919C-9BF4-2E48-B1DA-A899560EBF1A}" type="datetimeFigureOut">
               <a:rPr lang="en-US" smtClean="0"/>
-              <a:t>4/10/2022</a:t>
+              <a:t>4/15/2022</a:t>
             </a:fld>
             <a:endParaRPr lang="en-US"/>
           </a:p>
@@ -2327,7 +2327,7 @@
           <a:p>
             <a:fld id="{2280919C-9BF4-2E48-B1DA-A899560EBF1A}" type="datetimeFigureOut">
               <a:rPr lang="en-US" smtClean="0"/>
-              <a:t>4/10/2022</a:t>
+              <a:t>4/15/2022</a:t>
             </a:fld>
             <a:endParaRPr lang="en-US"/>
           </a:p>
@@ -2579,7 +2579,7 @@
           <a:p>
             <a:fld id="{2280919C-9BF4-2E48-B1DA-A899560EBF1A}" type="datetimeFigureOut">
               <a:rPr lang="en-US" smtClean="0"/>
-              <a:t>4/10/2022</a:t>
+              <a:t>4/15/2022</a:t>
             </a:fld>
             <a:endParaRPr lang="en-US"/>
           </a:p>
@@ -2790,7 +2790,7 @@
           <a:p>
             <a:fld id="{2280919C-9BF4-2E48-B1DA-A899560EBF1A}" type="datetimeFigureOut">
               <a:rPr lang="en-US" smtClean="0"/>
-              <a:t>4/10/2022</a:t>
+              <a:t>4/15/2022</a:t>
             </a:fld>
             <a:endParaRPr lang="en-US"/>
           </a:p>
@@ -4018,7 +4018,7 @@
         <p:spPr bwMode="auto">
           <a:xfrm>
             <a:off x="11521440" y="8000232"/>
-            <a:ext cx="10058400" cy="24514403"/>
+            <a:ext cx="10058400" cy="24883735"/>
           </a:xfrm>
           <a:prstGeom prst="rect">
             <a:avLst/>
@@ -4258,7 +4258,40 @@
                 <a:ea typeface="Open Sans" panose="020B0606030504020204" pitchFamily="34" charset="0"/>
                 <a:cs typeface="Open Sans" panose="020B0606030504020204" pitchFamily="34" charset="0"/>
               </a:rPr>
-              <a:t>I collected 3-year Ethereum daily price data from GitHub and since most of API can’t be used for individual free account, I found the data of 2015-2018 with open price, highest price, lowest price, close price and volume of the day.</a:t>
+              <a:t>I collected Ethereum daily price data from </a:t>
+            </a:r>
+            <a:r>
+              <a:rPr lang="en-US" altLang="zh-CN" sz="2400" dirty="0">
+                <a:latin typeface="Titillium Web" panose="00000500000000000000" pitchFamily="2" charset="0"/>
+                <a:ea typeface="Open Sans" panose="020B0606030504020204" pitchFamily="34" charset="0"/>
+                <a:cs typeface="Open Sans" panose="020B0606030504020204" pitchFamily="34" charset="0"/>
+              </a:rPr>
+              <a:t>both </a:t>
+            </a:r>
+            <a:r>
+              <a:rPr lang="en-US" sz="2400" dirty="0">
+                <a:latin typeface="Titillium Web" panose="00000500000000000000" pitchFamily="2" charset="0"/>
+                <a:ea typeface="Open Sans" panose="020B0606030504020204" pitchFamily="34" charset="0"/>
+                <a:cs typeface="Open Sans" panose="020B0606030504020204" pitchFamily="34" charset="0"/>
+              </a:rPr>
+              <a:t>GitHub and </a:t>
+            </a:r>
+            <a:r>
+              <a:rPr lang="en-US" sz="2400" dirty="0">
+                <a:latin typeface="Titillium Web" panose="00000500000000000000" pitchFamily="2" charset="0"/>
+                <a:ea typeface="Open Sans" panose="020B0606030504020204" pitchFamily="34" charset="0"/>
+                <a:cs typeface="Open Sans" panose="020B0606030504020204" pitchFamily="34" charset="0"/>
+                <a:hlinkClick r:id="rId3"/>
+              </a:rPr>
+              <a:t>Kaggle</a:t>
+            </a:r>
+            <a:r>
+              <a:rPr lang="en-US" sz="2400" dirty="0">
+                <a:latin typeface="Titillium Web" panose="00000500000000000000" pitchFamily="2" charset="0"/>
+                <a:ea typeface="Open Sans" panose="020B0606030504020204" pitchFamily="34" charset="0"/>
+                <a:cs typeface="Open Sans" panose="020B0606030504020204" pitchFamily="34" charset="0"/>
+              </a:rPr>
+              <a:t> since most of API can’t be used for individual free account, I found the data of 2015-2020 with open price, highest price, lowest price, close price and volume of the day. In order to test the performance, I split about 1 month data from the dataset as test set.</a:t>
             </a:r>
           </a:p>
           <a:p>
@@ -4715,17 +4748,6 @@
             </a:endParaRPr>
           </a:p>
           <a:p>
-            <a:endParaRPr lang="en-US" sz="2400" b="1" dirty="0">
-              <a:latin typeface="Titillium Web" panose="00000500000000000000" pitchFamily="2" charset="0"/>
-              <a:ea typeface="Open Sans" panose="020B0606030504020204" pitchFamily="34" charset="0"/>
-              <a:cs typeface="Open Sans" panose="020B0606030504020204" pitchFamily="34" charset="0"/>
-            </a:endParaRPr>
-          </a:p>
-          <a:p>
-            <a:pPr marL="457200" indent="-457200">
-              <a:buFont typeface="+mj-lt"/>
-              <a:buAutoNum type="arabicPeriod"/>
-            </a:pPr>
             <a:endParaRPr lang="en-US" sz="2400" b="1" dirty="0">
               <a:latin typeface="Titillium Web" panose="00000500000000000000" pitchFamily="2" charset="0"/>
               <a:ea typeface="Open Sans" panose="020B0606030504020204" pitchFamily="34" charset="0"/>
@@ -4848,7 +4870,7 @@
         <p:spPr bwMode="auto">
           <a:xfrm>
             <a:off x="22311361" y="8000232"/>
-            <a:ext cx="10058400" cy="13434447"/>
+            <a:ext cx="10058400" cy="14542443"/>
           </a:xfrm>
           <a:prstGeom prst="rect">
             <a:avLst/>
@@ -5013,7 +5035,45 @@
                 <a:ea typeface="Open Sans" panose="020B0606030504020204" pitchFamily="34" charset="0"/>
                 <a:cs typeface="Open Sans" panose="020B0606030504020204" pitchFamily="34" charset="0"/>
               </a:rPr>
-              <a:t>I trained 1,000 epochs, with 3-year history data and use another test dataset to evaluate the model.</a:t>
+              <a:t>I trained 1,000 epochs, with 3-year history data and use another test dataset to evaluate the model. I choose all the last saving checkpoints (900 epochs) for each model.</a:t>
+            </a:r>
+          </a:p>
+          <a:p>
+            <a:endParaRPr lang="en-US" sz="2400" dirty="0">
+              <a:latin typeface="Titillium Web" panose="00000500000000000000" pitchFamily="2" charset="0"/>
+              <a:ea typeface="Open Sans" panose="020B0606030504020204" pitchFamily="34" charset="0"/>
+              <a:cs typeface="Open Sans" panose="020B0606030504020204" pitchFamily="34" charset="0"/>
+            </a:endParaRPr>
+          </a:p>
+          <a:p>
+            <a:r>
+              <a:rPr lang="en-US" sz="2400" dirty="0">
+                <a:latin typeface="Titillium Web" panose="00000500000000000000" pitchFamily="2" charset="0"/>
+                <a:ea typeface="Open Sans" panose="020B0606030504020204" pitchFamily="34" charset="0"/>
+                <a:cs typeface="Open Sans" panose="020B0606030504020204" pitchFamily="34" charset="0"/>
+              </a:rPr>
+              <a:t>I tested on one slice in training set and test set:</a:t>
+            </a:r>
+          </a:p>
+          <a:p>
+            <a:endParaRPr lang="en-US" sz="2400" b="1" dirty="0">
+              <a:latin typeface="Titillium Web" panose="00000500000000000000" pitchFamily="2" charset="0"/>
+              <a:ea typeface="Open Sans" panose="020B0606030504020204" pitchFamily="34" charset="0"/>
+              <a:cs typeface="Open Sans" panose="020B0606030504020204" pitchFamily="34" charset="0"/>
+            </a:endParaRPr>
+          </a:p>
+          <a:p>
+            <a:pPr marL="457200" indent="-457200">
+              <a:buFont typeface="+mj-lt"/>
+              <a:buAutoNum type="arabicPeriod"/>
+            </a:pPr>
+            <a:r>
+              <a:rPr lang="en-US" sz="2400" b="1" dirty="0">
+                <a:latin typeface="Titillium Web" panose="00000500000000000000" pitchFamily="2" charset="0"/>
+                <a:ea typeface="Open Sans" panose="020B0606030504020204" pitchFamily="34" charset="0"/>
+                <a:cs typeface="Open Sans" panose="020B0606030504020204" pitchFamily="34" charset="0"/>
+              </a:rPr>
+              <a:t>LSTM</a:t>
             </a:r>
           </a:p>
           <a:p>
@@ -5048,42 +5108,6 @@
               <a:ea typeface="Open Sans" panose="020B0606030504020204" pitchFamily="34" charset="0"/>
               <a:cs typeface="Open Sans" panose="020B0606030504020204" pitchFamily="34" charset="0"/>
             </a:endParaRPr>
-          </a:p>
-          <a:p>
-            <a:pPr marL="457200" indent="-457200">
-              <a:buFont typeface="+mj-lt"/>
-              <a:buAutoNum type="arabicPeriod"/>
-            </a:pPr>
-            <a:endParaRPr lang="en-US" sz="2400" b="1" dirty="0">
-              <a:latin typeface="Titillium Web" panose="00000500000000000000" pitchFamily="2" charset="0"/>
-              <a:ea typeface="Open Sans" panose="020B0606030504020204" pitchFamily="34" charset="0"/>
-              <a:cs typeface="Open Sans" panose="020B0606030504020204" pitchFamily="34" charset="0"/>
-            </a:endParaRPr>
-          </a:p>
-          <a:p>
-            <a:pPr marL="457200" indent="-457200">
-              <a:buFont typeface="+mj-lt"/>
-              <a:buAutoNum type="arabicPeriod"/>
-            </a:pPr>
-            <a:endParaRPr lang="en-US" sz="2400" b="1" dirty="0">
-              <a:latin typeface="Titillium Web" panose="00000500000000000000" pitchFamily="2" charset="0"/>
-              <a:ea typeface="Open Sans" panose="020B0606030504020204" pitchFamily="34" charset="0"/>
-              <a:cs typeface="Open Sans" panose="020B0606030504020204" pitchFamily="34" charset="0"/>
-            </a:endParaRPr>
-          </a:p>
-          <a:p>
-            <a:pPr marL="457200" indent="-457200">
-              <a:buFont typeface="+mj-lt"/>
-              <a:buAutoNum type="arabicPeriod"/>
-            </a:pPr>
-            <a:r>
-              <a:rPr lang="en-US" sz="2400" b="1" dirty="0">
-                <a:latin typeface="Titillium Web" panose="00000500000000000000" pitchFamily="2" charset="0"/>
-                <a:ea typeface="Open Sans" panose="020B0606030504020204" pitchFamily="34" charset="0"/>
-                <a:cs typeface="Open Sans" panose="020B0606030504020204" pitchFamily="34" charset="0"/>
-              </a:rPr>
-              <a:t>LSTM</a:t>
-            </a:r>
           </a:p>
           <a:p>
             <a:pPr marL="457200" indent="-457200">
@@ -6405,7 +6429,7 @@
           <p:nvPr/>
         </p:nvPicPr>
         <p:blipFill>
-          <a:blip r:embed="rId3">
+          <a:blip r:embed="rId4">
             <a:extLst>
               <a:ext uri="{28A0092B-C50C-407E-A947-70E740481C1C}">
                 <a14:useLocalDpi xmlns:a14="http://schemas.microsoft.com/office/drawing/2010/main" val="0"/>
@@ -6452,7 +6476,7 @@
           <p:nvPr/>
         </p:nvPicPr>
         <p:blipFill>
-          <a:blip r:embed="rId4">
+          <a:blip r:embed="rId5">
             <a:extLst>
               <a:ext uri="{28A0092B-C50C-407E-A947-70E740481C1C}">
                 <a14:useLocalDpi xmlns:a14="http://schemas.microsoft.com/office/drawing/2010/main" val="0"/>
@@ -6499,7 +6523,7 @@
           <p:nvPr/>
         </p:nvPicPr>
         <p:blipFill>
-          <a:blip r:embed="rId5">
+          <a:blip r:embed="rId6">
             <a:extLst>
               <a:ext uri="{28A0092B-C50C-407E-A947-70E740481C1C}">
                 <a14:useLocalDpi xmlns:a14="http://schemas.microsoft.com/office/drawing/2010/main" val="0"/>
@@ -6545,7 +6569,7 @@
         </p:nvGrpSpPr>
         <p:grpSpPr>
           <a:xfrm>
-            <a:off x="12453015" y="12480781"/>
+            <a:off x="12453015" y="12671281"/>
             <a:ext cx="8603585" cy="2741037"/>
             <a:chOff x="21406515" y="11957945"/>
             <a:chExt cx="8603585" cy="2741037"/>
@@ -6566,7 +6590,7 @@
             <p:nvPr/>
           </p:nvPicPr>
           <p:blipFill>
-            <a:blip r:embed="rId6"/>
+            <a:blip r:embed="rId7"/>
             <a:stretch>
               <a:fillRect/>
             </a:stretch>
@@ -6663,121 +6687,6 @@
       </p:grpSp>
       <p:grpSp>
         <p:nvGrpSpPr>
-          <p:cNvPr id="8" name="组合 7">
-            <a:extLst>
-              <a:ext uri="{FF2B5EF4-FFF2-40B4-BE49-F238E27FC236}">
-                <a16:creationId xmlns:a16="http://schemas.microsoft.com/office/drawing/2014/main" id="{6AAFC0DD-6E5C-434F-84AA-06F59DE19A2C}"/>
-              </a:ext>
-            </a:extLst>
-          </p:cNvPr>
-          <p:cNvGrpSpPr/>
-          <p:nvPr/>
-        </p:nvGrpSpPr>
-        <p:grpSpPr>
-          <a:xfrm>
-            <a:off x="12000812" y="19033676"/>
-            <a:ext cx="9311021" cy="5884492"/>
-            <a:chOff x="22507074" y="14852486"/>
-            <a:chExt cx="8133347" cy="5895702"/>
-          </a:xfrm>
-        </p:grpSpPr>
-        <p:sp>
-          <p:nvSpPr>
-            <p:cNvPr id="34" name="文本框 33">
-              <a:extLst>
-                <a:ext uri="{FF2B5EF4-FFF2-40B4-BE49-F238E27FC236}">
-                  <a16:creationId xmlns:a16="http://schemas.microsoft.com/office/drawing/2014/main" id="{F7C01E41-C46A-4913-9FC5-A0575DE94385}"/>
-                </a:ext>
-              </a:extLst>
-            </p:cNvPr>
-            <p:cNvSpPr txBox="1"/>
-            <p:nvPr/>
-          </p:nvSpPr>
-          <p:spPr>
-            <a:xfrm>
-              <a:off x="23893026" y="20378856"/>
-              <a:ext cx="5786270" cy="369332"/>
-            </a:xfrm>
-            <a:prstGeom prst="rect">
-              <a:avLst/>
-            </a:prstGeom>
-            <a:noFill/>
-          </p:spPr>
-          <p:txBody>
-            <a:bodyPr wrap="square">
-              <a:spAutoFit/>
-            </a:bodyPr>
-            <a:lstStyle/>
-            <a:p>
-              <a:pPr marL="0" marR="0" lvl="0" indent="0" algn="ctr" defTabSz="2508062" rtl="0" eaLnBrk="1" fontAlgn="auto" latinLnBrk="0" hangingPunct="1">
-                <a:lnSpc>
-                  <a:spcPct val="100000"/>
-                </a:lnSpc>
-                <a:spcBef>
-                  <a:spcPts val="0"/>
-                </a:spcBef>
-                <a:spcAft>
-                  <a:spcPts val="0"/>
-                </a:spcAft>
-                <a:buClrTx/>
-                <a:buSzTx/>
-                <a:buFontTx/>
-                <a:buNone/>
-                <a:tabLst/>
-                <a:defRPr/>
-              </a:pPr>
-              <a:r>
-                <a:rPr kumimoji="0" lang="en-US" altLang="zh-CN" sz="1800" b="0" i="0" u="none" strike="noStrike" kern="1200" cap="none" spc="0" normalizeH="0" baseline="0" noProof="0" dirty="0">
-                  <a:ln>
-                    <a:noFill/>
-                  </a:ln>
-                  <a:solidFill>
-                    <a:prstClr val="black"/>
-                  </a:solidFill>
-                  <a:effectLst/>
-                  <a:uLnTx/>
-                  <a:uFillTx/>
-                  <a:latin typeface="Titillium Web" panose="00000500000000000000" pitchFamily="2" charset="0"/>
-                  <a:ea typeface="Open Sans" panose="020B0606030504020204" pitchFamily="34" charset="0"/>
-                  <a:cs typeface="Open Sans" panose="020B0606030504020204" pitchFamily="34" charset="0"/>
-                </a:rPr>
-                <a:t>Figure 2: Highest price in Training dataset </a:t>
-              </a:r>
-            </a:p>
-          </p:txBody>
-        </p:sp>
-        <p:pic>
-          <p:nvPicPr>
-            <p:cNvPr id="6" name="图片 5" descr="图表, 直方图&#10;&#10;描述已自动生成">
-              <a:extLst>
-                <a:ext uri="{FF2B5EF4-FFF2-40B4-BE49-F238E27FC236}">
-                  <a16:creationId xmlns:a16="http://schemas.microsoft.com/office/drawing/2014/main" id="{EA4BF764-A8B0-40D1-8D46-EF51F58E43C3}"/>
-                </a:ext>
-              </a:extLst>
-            </p:cNvPr>
-            <p:cNvPicPr>
-              <a:picLocks noChangeAspect="1"/>
-            </p:cNvPicPr>
-            <p:nvPr/>
-          </p:nvPicPr>
-          <p:blipFill rotWithShape="1">
-            <a:blip r:embed="rId7"/>
-            <a:srcRect l="6283" t="7850" r="6473" b="4348"/>
-            <a:stretch/>
-          </p:blipFill>
-          <p:spPr>
-            <a:xfrm>
-              <a:off x="22507074" y="14852486"/>
-              <a:ext cx="8133347" cy="5456819"/>
-            </a:xfrm>
-            <a:prstGeom prst="rect">
-              <a:avLst/>
-            </a:prstGeom>
-          </p:spPr>
-        </p:pic>
-      </p:grpSp>
-      <p:grpSp>
-        <p:nvGrpSpPr>
           <p:cNvPr id="13" name="组合 12">
             <a:extLst>
               <a:ext uri="{FF2B5EF4-FFF2-40B4-BE49-F238E27FC236}">
@@ -6790,7 +6699,7 @@
         </p:nvGrpSpPr>
         <p:grpSpPr>
           <a:xfrm>
-            <a:off x="12976665" y="25618255"/>
+            <a:off x="12976665" y="25732555"/>
             <a:ext cx="7885881" cy="3917761"/>
             <a:chOff x="21921352" y="22823635"/>
             <a:chExt cx="7248525" cy="3457674"/>
@@ -6919,122 +6828,6 @@
       </p:grpSp>
       <p:grpSp>
         <p:nvGrpSpPr>
-          <p:cNvPr id="19" name="组合 18">
-            <a:extLst>
-              <a:ext uri="{FF2B5EF4-FFF2-40B4-BE49-F238E27FC236}">
-                <a16:creationId xmlns:a16="http://schemas.microsoft.com/office/drawing/2014/main" id="{9D6F29D5-209B-4C11-8E25-AAFB9713C5B3}"/>
-              </a:ext>
-            </a:extLst>
-          </p:cNvPr>
-          <p:cNvGrpSpPr/>
-          <p:nvPr/>
-        </p:nvGrpSpPr>
-        <p:grpSpPr>
-          <a:xfrm>
-            <a:off x="22311360" y="12693689"/>
-            <a:ext cx="9815629" cy="6757111"/>
-            <a:chOff x="20862546" y="13214949"/>
-            <a:chExt cx="10213474" cy="6993649"/>
-          </a:xfrm>
-        </p:grpSpPr>
-        <p:pic>
-          <p:nvPicPr>
-            <p:cNvPr id="15" name="图片 14" descr="图表, 折线图&#10;&#10;描述已自动生成">
-              <a:extLst>
-                <a:ext uri="{FF2B5EF4-FFF2-40B4-BE49-F238E27FC236}">
-                  <a16:creationId xmlns:a16="http://schemas.microsoft.com/office/drawing/2014/main" id="{DC5E303F-8A62-4E42-A63C-719725636082}"/>
-                </a:ext>
-              </a:extLst>
-            </p:cNvPr>
-            <p:cNvPicPr>
-              <a:picLocks noChangeAspect="1"/>
-            </p:cNvPicPr>
-            <p:nvPr/>
-          </p:nvPicPr>
-          <p:blipFill>
-            <a:blip r:embed="rId9"/>
-            <a:stretch>
-              <a:fillRect/>
-            </a:stretch>
-          </p:blipFill>
-          <p:spPr>
-            <a:xfrm>
-              <a:off x="20862546" y="13214949"/>
-              <a:ext cx="10213474" cy="6808983"/>
-            </a:xfrm>
-            <a:prstGeom prst="rect">
-              <a:avLst/>
-            </a:prstGeom>
-          </p:spPr>
-        </p:pic>
-        <p:sp>
-          <p:nvSpPr>
-            <p:cNvPr id="41" name="文本框 40">
-              <a:extLst>
-                <a:ext uri="{FF2B5EF4-FFF2-40B4-BE49-F238E27FC236}">
-                  <a16:creationId xmlns:a16="http://schemas.microsoft.com/office/drawing/2014/main" id="{4E209E9B-08CC-42F8-8AA0-E97F908F5019}"/>
-                </a:ext>
-              </a:extLst>
-            </p:cNvPr>
-            <p:cNvSpPr txBox="1"/>
-            <p:nvPr/>
-          </p:nvSpPr>
-          <p:spPr>
-            <a:xfrm>
-              <a:off x="22989232" y="19839266"/>
-              <a:ext cx="5960101" cy="369332"/>
-            </a:xfrm>
-            <a:prstGeom prst="rect">
-              <a:avLst/>
-            </a:prstGeom>
-            <a:noFill/>
-          </p:spPr>
-          <p:txBody>
-            <a:bodyPr wrap="square">
-              <a:spAutoFit/>
-            </a:bodyPr>
-            <a:lstStyle/>
-            <a:p>
-              <a:pPr marL="0" marR="0" lvl="0" indent="0" algn="ctr" defTabSz="2508062" rtl="0" eaLnBrk="1" fontAlgn="auto" latinLnBrk="0" hangingPunct="1">
-                <a:lnSpc>
-                  <a:spcPct val="100000"/>
-                </a:lnSpc>
-                <a:spcBef>
-                  <a:spcPts val="0"/>
-                </a:spcBef>
-                <a:spcAft>
-                  <a:spcPts val="0"/>
-                </a:spcAft>
-                <a:buClrTx/>
-                <a:buSzTx/>
-                <a:buFontTx/>
-                <a:buNone/>
-                <a:tabLst/>
-                <a:defRPr/>
-              </a:pPr>
-              <a:r>
-                <a:rPr kumimoji="0" lang="en-US" altLang="zh-CN" sz="1800" b="0" i="0" u="none" strike="noStrike" kern="1200" cap="none" spc="0" normalizeH="0" baseline="0" noProof="0" dirty="0">
-                  <a:ln>
-                    <a:noFill/>
-                  </a:ln>
-                  <a:solidFill>
-                    <a:prstClr val="black"/>
-                  </a:solidFill>
-                  <a:effectLst/>
-                  <a:uLnTx/>
-                  <a:uFillTx/>
-                  <a:latin typeface="Titillium Web" panose="00000500000000000000" pitchFamily="2" charset="0"/>
-                  <a:ea typeface="Open Sans" panose="020B0606030504020204" pitchFamily="34" charset="0"/>
-                  <a:cs typeface="Open Sans" panose="020B0606030504020204" pitchFamily="34" charset="0"/>
-                </a:rPr>
-                <a:t>Figure 4:  Prediction of LSTM Model</a:t>
-              </a:r>
-            </a:p>
-          </p:txBody>
-        </p:sp>
-      </p:grpSp>
-      <p:grpSp>
-        <p:nvGrpSpPr>
           <p:cNvPr id="22" name="组合 21">
             <a:extLst>
               <a:ext uri="{FF2B5EF4-FFF2-40B4-BE49-F238E27FC236}">
@@ -7047,10 +6840,10 @@
         </p:nvGrpSpPr>
         <p:grpSpPr>
           <a:xfrm>
-            <a:off x="22584441" y="21429182"/>
-            <a:ext cx="9228188" cy="6450082"/>
-            <a:chOff x="22359852" y="21630508"/>
-            <a:chExt cx="9351461" cy="6345008"/>
+            <a:off x="23390373" y="21993958"/>
+            <a:ext cx="6700147" cy="4778087"/>
+            <a:chOff x="22912707" y="22549889"/>
+            <a:chExt cx="7439483" cy="5437548"/>
           </a:xfrm>
         </p:grpSpPr>
         <p:pic>
@@ -7067,16 +6860,15 @@
             </p:cNvPicPr>
             <p:nvPr/>
           </p:nvPicPr>
-          <p:blipFill>
-            <a:blip r:embed="rId10"/>
-            <a:stretch>
-              <a:fillRect/>
-            </a:stretch>
+          <p:blipFill rotWithShape="1">
+            <a:blip r:embed="rId9"/>
+            <a:srcRect l="5912" t="7305" r="7162" b="4936"/>
+            <a:stretch/>
           </p:blipFill>
           <p:spPr>
             <a:xfrm>
-              <a:off x="22359852" y="21630508"/>
-              <a:ext cx="9351461" cy="6234307"/>
+              <a:off x="22912707" y="22549889"/>
+              <a:ext cx="7439483" cy="5007258"/>
             </a:xfrm>
             <a:prstGeom prst="rect">
               <a:avLst/>
@@ -7097,7 +6889,7 @@
           </p:nvSpPr>
           <p:spPr>
             <a:xfrm>
-              <a:off x="24178743" y="27606184"/>
+              <a:off x="23968986" y="27618105"/>
               <a:ext cx="5727937" cy="369332"/>
             </a:xfrm>
             <a:prstGeom prst="rect">
@@ -7171,11 +6963,499 @@
                   <a:ea typeface="Open Sans" panose="020B0606030504020204" pitchFamily="34" charset="0"/>
                   <a:cs typeface="Open Sans" panose="020B0606030504020204" pitchFamily="34" charset="0"/>
                 </a:rPr>
-                <a:t>:  Prediction of GRU Model</a:t>
+                <a:t>:  Prediction of GRU Model (Training set)</a:t>
               </a:r>
             </a:p>
           </p:txBody>
         </p:sp>
+      </p:grpSp>
+      <p:grpSp>
+        <p:nvGrpSpPr>
+          <p:cNvPr id="10" name="组合 9">
+            <a:extLst>
+              <a:ext uri="{FF2B5EF4-FFF2-40B4-BE49-F238E27FC236}">
+                <a16:creationId xmlns:a16="http://schemas.microsoft.com/office/drawing/2014/main" id="{A173DF59-46D5-4AE5-8B33-F880B96E1FD1}"/>
+              </a:ext>
+            </a:extLst>
+          </p:cNvPr>
+          <p:cNvGrpSpPr/>
+          <p:nvPr/>
+        </p:nvGrpSpPr>
+        <p:grpSpPr>
+          <a:xfrm>
+            <a:off x="23362107" y="12116891"/>
+            <a:ext cx="6502988" cy="4580901"/>
+            <a:chOff x="23327778" y="14103959"/>
+            <a:chExt cx="7570471" cy="5799995"/>
+          </a:xfrm>
+        </p:grpSpPr>
+        <p:sp>
+          <p:nvSpPr>
+            <p:cNvPr id="41" name="文本框 40">
+              <a:extLst>
+                <a:ext uri="{FF2B5EF4-FFF2-40B4-BE49-F238E27FC236}">
+                  <a16:creationId xmlns:a16="http://schemas.microsoft.com/office/drawing/2014/main" id="{4E209E9B-08CC-42F8-8AA0-E97F908F5019}"/>
+                </a:ext>
+              </a:extLst>
+            </p:cNvPr>
+            <p:cNvSpPr txBox="1"/>
+            <p:nvPr/>
+          </p:nvSpPr>
+          <p:spPr>
+            <a:xfrm>
+              <a:off x="24396714" y="19534622"/>
+              <a:ext cx="5727937" cy="369332"/>
+            </a:xfrm>
+            <a:prstGeom prst="rect">
+              <a:avLst/>
+            </a:prstGeom>
+            <a:noFill/>
+          </p:spPr>
+          <p:txBody>
+            <a:bodyPr wrap="square">
+              <a:spAutoFit/>
+            </a:bodyPr>
+            <a:lstStyle/>
+            <a:p>
+              <a:pPr marL="0" marR="0" lvl="0" indent="0" algn="ctr" defTabSz="2508062" rtl="0" eaLnBrk="1" fontAlgn="auto" latinLnBrk="0" hangingPunct="1">
+                <a:lnSpc>
+                  <a:spcPct val="100000"/>
+                </a:lnSpc>
+                <a:spcBef>
+                  <a:spcPts val="0"/>
+                </a:spcBef>
+                <a:spcAft>
+                  <a:spcPts val="0"/>
+                </a:spcAft>
+                <a:buClrTx/>
+                <a:buSzTx/>
+                <a:buFontTx/>
+                <a:buNone/>
+                <a:tabLst/>
+                <a:defRPr/>
+              </a:pPr>
+              <a:r>
+                <a:rPr kumimoji="0" lang="en-US" altLang="zh-CN" sz="1800" b="0" i="0" u="none" strike="noStrike" kern="1200" cap="none" spc="0" normalizeH="0" baseline="0" noProof="0" dirty="0">
+                  <a:ln>
+                    <a:noFill/>
+                  </a:ln>
+                  <a:solidFill>
+                    <a:prstClr val="black"/>
+                  </a:solidFill>
+                  <a:effectLst/>
+                  <a:uLnTx/>
+                  <a:uFillTx/>
+                  <a:latin typeface="Titillium Web" panose="00000500000000000000" pitchFamily="2" charset="0"/>
+                  <a:ea typeface="Open Sans" panose="020B0606030504020204" pitchFamily="34" charset="0"/>
+                  <a:cs typeface="Open Sans" panose="020B0606030504020204" pitchFamily="34" charset="0"/>
+                </a:rPr>
+                <a:t>Figure 4:  Prediction of LSTM Model (Training set)</a:t>
+              </a:r>
+            </a:p>
+          </p:txBody>
+        </p:sp>
+        <p:pic>
+          <p:nvPicPr>
+            <p:cNvPr id="9" name="图片 8" descr="图表, 折线图&#10;&#10;描述已自动生成">
+              <a:extLst>
+                <a:ext uri="{FF2B5EF4-FFF2-40B4-BE49-F238E27FC236}">
+                  <a16:creationId xmlns:a16="http://schemas.microsoft.com/office/drawing/2014/main" id="{F8EBB808-DF2F-47F6-956D-15184F4E06C5}"/>
+                </a:ext>
+              </a:extLst>
+            </p:cNvPr>
+            <p:cNvPicPr>
+              <a:picLocks noChangeAspect="1"/>
+            </p:cNvPicPr>
+            <p:nvPr/>
+          </p:nvPicPr>
+          <p:blipFill rotWithShape="1">
+            <a:blip r:embed="rId10"/>
+            <a:srcRect l="8215" t="7541" r="8122" b="3940"/>
+            <a:stretch/>
+          </p:blipFill>
+          <p:spPr>
+            <a:xfrm>
+              <a:off x="23327778" y="14103959"/>
+              <a:ext cx="7570471" cy="5339908"/>
+            </a:xfrm>
+            <a:prstGeom prst="rect">
+              <a:avLst/>
+            </a:prstGeom>
+          </p:spPr>
+        </p:pic>
+      </p:grpSp>
+      <p:grpSp>
+        <p:nvGrpSpPr>
+          <p:cNvPr id="20" name="组合 19">
+            <a:extLst>
+              <a:ext uri="{FF2B5EF4-FFF2-40B4-BE49-F238E27FC236}">
+                <a16:creationId xmlns:a16="http://schemas.microsoft.com/office/drawing/2014/main" id="{76F931AA-9D9C-486B-8D75-4309F735A9BE}"/>
+              </a:ext>
+            </a:extLst>
+          </p:cNvPr>
+          <p:cNvGrpSpPr/>
+          <p:nvPr/>
+        </p:nvGrpSpPr>
+        <p:grpSpPr>
+          <a:xfrm>
+            <a:off x="23374806" y="16957448"/>
+            <a:ext cx="6700147" cy="4441999"/>
+            <a:chOff x="24057611" y="17957267"/>
+            <a:chExt cx="6565900" cy="4899328"/>
+          </a:xfrm>
+        </p:grpSpPr>
+        <p:pic>
+          <p:nvPicPr>
+            <p:cNvPr id="14" name="图片 13" descr="图表, 折线图&#10;&#10;描述已自动生成">
+              <a:extLst>
+                <a:ext uri="{FF2B5EF4-FFF2-40B4-BE49-F238E27FC236}">
+                  <a16:creationId xmlns:a16="http://schemas.microsoft.com/office/drawing/2014/main" id="{064CF05C-3BB5-439B-A72C-462B774F4673}"/>
+                </a:ext>
+              </a:extLst>
+            </p:cNvPr>
+            <p:cNvPicPr>
+              <a:picLocks noChangeAspect="1"/>
+            </p:cNvPicPr>
+            <p:nvPr/>
+          </p:nvPicPr>
+          <p:blipFill rotWithShape="1">
+            <a:blip r:embed="rId11"/>
+            <a:srcRect l="7930" t="5983" r="6687" b="5741"/>
+            <a:stretch/>
+          </p:blipFill>
+          <p:spPr>
+            <a:xfrm>
+              <a:off x="24057611" y="17957267"/>
+              <a:ext cx="6565900" cy="4525606"/>
+            </a:xfrm>
+            <a:prstGeom prst="rect">
+              <a:avLst/>
+            </a:prstGeom>
+          </p:spPr>
+        </p:pic>
+        <p:sp>
+          <p:nvSpPr>
+            <p:cNvPr id="44" name="文本框 43">
+              <a:extLst>
+                <a:ext uri="{FF2B5EF4-FFF2-40B4-BE49-F238E27FC236}">
+                  <a16:creationId xmlns:a16="http://schemas.microsoft.com/office/drawing/2014/main" id="{8EE11E8D-59D7-4C9B-A66B-8E8CACB7CC3A}"/>
+                </a:ext>
+              </a:extLst>
+            </p:cNvPr>
+            <p:cNvSpPr txBox="1"/>
+            <p:nvPr/>
+          </p:nvSpPr>
+          <p:spPr>
+            <a:xfrm>
+              <a:off x="24702365" y="22482873"/>
+              <a:ext cx="5727937" cy="373722"/>
+            </a:xfrm>
+            <a:prstGeom prst="rect">
+              <a:avLst/>
+            </a:prstGeom>
+            <a:noFill/>
+          </p:spPr>
+          <p:txBody>
+            <a:bodyPr wrap="square">
+              <a:spAutoFit/>
+            </a:bodyPr>
+            <a:lstStyle/>
+            <a:p>
+              <a:pPr marL="0" marR="0" lvl="0" indent="0" algn="ctr" defTabSz="2508062" rtl="0" eaLnBrk="1" fontAlgn="auto" latinLnBrk="0" hangingPunct="1">
+                <a:lnSpc>
+                  <a:spcPct val="100000"/>
+                </a:lnSpc>
+                <a:spcBef>
+                  <a:spcPts val="0"/>
+                </a:spcBef>
+                <a:spcAft>
+                  <a:spcPts val="0"/>
+                </a:spcAft>
+                <a:buClrTx/>
+                <a:buSzTx/>
+                <a:buFontTx/>
+                <a:buNone/>
+                <a:tabLst/>
+                <a:defRPr/>
+              </a:pPr>
+              <a:r>
+                <a:rPr kumimoji="0" lang="en-US" altLang="zh-CN" sz="1800" b="0" i="0" u="none" strike="noStrike" kern="1200" cap="none" spc="0" normalizeH="0" baseline="0" noProof="0" dirty="0">
+                  <a:ln>
+                    <a:noFill/>
+                  </a:ln>
+                  <a:solidFill>
+                    <a:prstClr val="black"/>
+                  </a:solidFill>
+                  <a:effectLst/>
+                  <a:uLnTx/>
+                  <a:uFillTx/>
+                  <a:latin typeface="Titillium Web" panose="00000500000000000000" pitchFamily="2" charset="0"/>
+                  <a:ea typeface="Open Sans" panose="020B0606030504020204" pitchFamily="34" charset="0"/>
+                  <a:cs typeface="Open Sans" panose="020B0606030504020204" pitchFamily="34" charset="0"/>
+                </a:rPr>
+                <a:t>Figure 4:  Prediction of LSTM Model (Test set)</a:t>
+              </a:r>
+            </a:p>
+          </p:txBody>
+        </p:sp>
+      </p:grpSp>
+      <p:grpSp>
+        <p:nvGrpSpPr>
+          <p:cNvPr id="25" name="组合 24">
+            <a:extLst>
+              <a:ext uri="{FF2B5EF4-FFF2-40B4-BE49-F238E27FC236}">
+                <a16:creationId xmlns:a16="http://schemas.microsoft.com/office/drawing/2014/main" id="{C37477FF-B85D-4CCC-ABE7-88C5721ED81C}"/>
+              </a:ext>
+            </a:extLst>
+          </p:cNvPr>
+          <p:cNvGrpSpPr/>
+          <p:nvPr/>
+        </p:nvGrpSpPr>
+        <p:grpSpPr>
+          <a:xfrm>
+            <a:off x="23497323" y="26945534"/>
+            <a:ext cx="6593197" cy="4399982"/>
+            <a:chOff x="23113185" y="25840561"/>
+            <a:chExt cx="6809818" cy="5185155"/>
+          </a:xfrm>
+        </p:grpSpPr>
+        <p:pic>
+          <p:nvPicPr>
+            <p:cNvPr id="24" name="图片 23" descr="图表, 折线图&#10;&#10;描述已自动生成">
+              <a:extLst>
+                <a:ext uri="{FF2B5EF4-FFF2-40B4-BE49-F238E27FC236}">
+                  <a16:creationId xmlns:a16="http://schemas.microsoft.com/office/drawing/2014/main" id="{E3376A4C-9C95-4445-B97A-40F2DA5C69AC}"/>
+                </a:ext>
+              </a:extLst>
+            </p:cNvPr>
+            <p:cNvPicPr>
+              <a:picLocks noChangeAspect="1"/>
+            </p:cNvPicPr>
+            <p:nvPr/>
+          </p:nvPicPr>
+          <p:blipFill rotWithShape="1">
+            <a:blip r:embed="rId12"/>
+            <a:srcRect l="6812" t="6787" r="8333" b="3905"/>
+            <a:stretch/>
+          </p:blipFill>
+          <p:spPr>
+            <a:xfrm>
+              <a:off x="23113185" y="25840561"/>
+              <a:ext cx="6809818" cy="4778087"/>
+            </a:xfrm>
+            <a:prstGeom prst="rect">
+              <a:avLst/>
+            </a:prstGeom>
+          </p:spPr>
+        </p:pic>
+        <p:sp>
+          <p:nvSpPr>
+            <p:cNvPr id="47" name="文本框 46">
+              <a:extLst>
+                <a:ext uri="{FF2B5EF4-FFF2-40B4-BE49-F238E27FC236}">
+                  <a16:creationId xmlns:a16="http://schemas.microsoft.com/office/drawing/2014/main" id="{A37CB3B3-BB5B-4516-BF23-80F693691F01}"/>
+                </a:ext>
+              </a:extLst>
+            </p:cNvPr>
+            <p:cNvSpPr txBox="1"/>
+            <p:nvPr/>
+          </p:nvSpPr>
+          <p:spPr>
+            <a:xfrm>
+              <a:off x="24072154" y="30656384"/>
+              <a:ext cx="5389618" cy="369332"/>
+            </a:xfrm>
+            <a:prstGeom prst="rect">
+              <a:avLst/>
+            </a:prstGeom>
+            <a:noFill/>
+          </p:spPr>
+          <p:txBody>
+            <a:bodyPr wrap="square">
+              <a:spAutoFit/>
+            </a:bodyPr>
+            <a:lstStyle/>
+            <a:p>
+              <a:pPr marL="0" marR="0" lvl="0" indent="0" algn="ctr" defTabSz="2508062" rtl="0" eaLnBrk="1" fontAlgn="auto" latinLnBrk="0" hangingPunct="1">
+                <a:lnSpc>
+                  <a:spcPct val="100000"/>
+                </a:lnSpc>
+                <a:spcBef>
+                  <a:spcPts val="0"/>
+                </a:spcBef>
+                <a:spcAft>
+                  <a:spcPts val="0"/>
+                </a:spcAft>
+                <a:buClrTx/>
+                <a:buSzTx/>
+                <a:buFontTx/>
+                <a:buNone/>
+                <a:tabLst/>
+                <a:defRPr/>
+              </a:pPr>
+              <a:r>
+                <a:rPr kumimoji="0" lang="en-US" altLang="zh-CN" sz="1800" b="0" i="0" u="none" strike="noStrike" kern="1200" cap="none" spc="0" normalizeH="0" baseline="0" noProof="0" dirty="0">
+                  <a:ln>
+                    <a:noFill/>
+                  </a:ln>
+                  <a:solidFill>
+                    <a:prstClr val="black"/>
+                  </a:solidFill>
+                  <a:effectLst/>
+                  <a:uLnTx/>
+                  <a:uFillTx/>
+                  <a:latin typeface="Titillium Web" panose="00000500000000000000" pitchFamily="2" charset="0"/>
+                  <a:ea typeface="Open Sans" panose="020B0606030504020204" pitchFamily="34" charset="0"/>
+                  <a:cs typeface="Open Sans" panose="020B0606030504020204" pitchFamily="34" charset="0"/>
+                </a:rPr>
+                <a:t>Figure </a:t>
+              </a:r>
+              <a:r>
+                <a:rPr lang="en-US" altLang="zh-CN" sz="1800" dirty="0">
+                  <a:solidFill>
+                    <a:prstClr val="black"/>
+                  </a:solidFill>
+                  <a:latin typeface="Titillium Web" panose="00000500000000000000" pitchFamily="2" charset="0"/>
+                  <a:ea typeface="Open Sans" panose="020B0606030504020204" pitchFamily="34" charset="0"/>
+                  <a:cs typeface="Open Sans" panose="020B0606030504020204" pitchFamily="34" charset="0"/>
+                </a:rPr>
+                <a:t>5</a:t>
+              </a:r>
+              <a:r>
+                <a:rPr kumimoji="0" lang="en-US" altLang="zh-CN" sz="1800" b="0" i="0" u="none" strike="noStrike" kern="1200" cap="none" spc="0" normalizeH="0" baseline="0" noProof="0" dirty="0">
+                  <a:ln>
+                    <a:noFill/>
+                  </a:ln>
+                  <a:solidFill>
+                    <a:prstClr val="black"/>
+                  </a:solidFill>
+                  <a:effectLst/>
+                  <a:uLnTx/>
+                  <a:uFillTx/>
+                  <a:latin typeface="Titillium Web" panose="00000500000000000000" pitchFamily="2" charset="0"/>
+                  <a:ea typeface="Open Sans" panose="020B0606030504020204" pitchFamily="34" charset="0"/>
+                  <a:cs typeface="Open Sans" panose="020B0606030504020204" pitchFamily="34" charset="0"/>
+                </a:rPr>
+                <a:t>:  Prediction of GRU Model (Test set)</a:t>
+              </a:r>
+            </a:p>
+          </p:txBody>
+        </p:sp>
+      </p:grpSp>
+      <p:grpSp>
+        <p:nvGrpSpPr>
+          <p:cNvPr id="28" name="组合 27">
+            <a:extLst>
+              <a:ext uri="{FF2B5EF4-FFF2-40B4-BE49-F238E27FC236}">
+                <a16:creationId xmlns:a16="http://schemas.microsoft.com/office/drawing/2014/main" id="{B3DF4B14-3DB5-43E2-883A-150818FAB7D2}"/>
+              </a:ext>
+            </a:extLst>
+          </p:cNvPr>
+          <p:cNvGrpSpPr/>
+          <p:nvPr/>
+        </p:nvGrpSpPr>
+        <p:grpSpPr>
+          <a:xfrm>
+            <a:off x="12248847" y="19163130"/>
+            <a:ext cx="8603585" cy="5755038"/>
+            <a:chOff x="12248847" y="19163130"/>
+            <a:chExt cx="8603585" cy="5755038"/>
+          </a:xfrm>
+        </p:grpSpPr>
+        <p:sp>
+          <p:nvSpPr>
+            <p:cNvPr id="34" name="文本框 33">
+              <a:extLst>
+                <a:ext uri="{FF2B5EF4-FFF2-40B4-BE49-F238E27FC236}">
+                  <a16:creationId xmlns:a16="http://schemas.microsoft.com/office/drawing/2014/main" id="{F7C01E41-C46A-4913-9FC5-A0575DE94385}"/>
+                </a:ext>
+              </a:extLst>
+            </p:cNvPr>
+            <p:cNvSpPr txBox="1"/>
+            <p:nvPr/>
+          </p:nvSpPr>
+          <p:spPr>
+            <a:xfrm>
+              <a:off x="13587444" y="24549538"/>
+              <a:ext cx="6624097" cy="368630"/>
+            </a:xfrm>
+            <a:prstGeom prst="rect">
+              <a:avLst/>
+            </a:prstGeom>
+            <a:noFill/>
+          </p:spPr>
+          <p:txBody>
+            <a:bodyPr wrap="square">
+              <a:spAutoFit/>
+            </a:bodyPr>
+            <a:lstStyle/>
+            <a:p>
+              <a:pPr marL="0" marR="0" lvl="0" indent="0" algn="ctr" defTabSz="2508062" rtl="0" eaLnBrk="1" fontAlgn="auto" latinLnBrk="0" hangingPunct="1">
+                <a:lnSpc>
+                  <a:spcPct val="100000"/>
+                </a:lnSpc>
+                <a:spcBef>
+                  <a:spcPts val="0"/>
+                </a:spcBef>
+                <a:spcAft>
+                  <a:spcPts val="0"/>
+                </a:spcAft>
+                <a:buClrTx/>
+                <a:buSzTx/>
+                <a:buFontTx/>
+                <a:buNone/>
+                <a:tabLst/>
+                <a:defRPr/>
+              </a:pPr>
+              <a:r>
+                <a:rPr kumimoji="0" lang="en-US" altLang="zh-CN" sz="1800" b="0" i="0" u="none" strike="noStrike" kern="1200" cap="none" spc="0" normalizeH="0" baseline="0" noProof="0" dirty="0">
+                  <a:ln>
+                    <a:noFill/>
+                  </a:ln>
+                  <a:solidFill>
+                    <a:prstClr val="black"/>
+                  </a:solidFill>
+                  <a:effectLst/>
+                  <a:uLnTx/>
+                  <a:uFillTx/>
+                  <a:latin typeface="Titillium Web" panose="00000500000000000000" pitchFamily="2" charset="0"/>
+                  <a:ea typeface="Open Sans" panose="020B0606030504020204" pitchFamily="34" charset="0"/>
+                  <a:cs typeface="Open Sans" panose="020B0606030504020204" pitchFamily="34" charset="0"/>
+                </a:rPr>
+                <a:t>Figure 2: Highest price in Training dataset </a:t>
+              </a:r>
+            </a:p>
+          </p:txBody>
+        </p:sp>
+        <p:pic>
+          <p:nvPicPr>
+            <p:cNvPr id="27" name="图片 26" descr="图表, 直方图&#10;&#10;描述已自动生成">
+              <a:extLst>
+                <a:ext uri="{FF2B5EF4-FFF2-40B4-BE49-F238E27FC236}">
+                  <a16:creationId xmlns:a16="http://schemas.microsoft.com/office/drawing/2014/main" id="{5BAEBEC1-879A-4AFB-A6F6-6428B78EBCAB}"/>
+                </a:ext>
+              </a:extLst>
+            </p:cNvPr>
+            <p:cNvPicPr>
+              <a:picLocks noChangeAspect="1"/>
+            </p:cNvPicPr>
+            <p:nvPr/>
+          </p:nvPicPr>
+          <p:blipFill rotWithShape="1">
+            <a:blip r:embed="rId13"/>
+            <a:srcRect l="6018" t="8768" r="8933" b="5261"/>
+            <a:stretch/>
+          </p:blipFill>
+          <p:spPr>
+            <a:xfrm>
+              <a:off x="12248847" y="19163130"/>
+              <a:ext cx="8603585" cy="5384894"/>
+            </a:xfrm>
+            <a:prstGeom prst="rect">
+              <a:avLst/>
+            </a:prstGeom>
+          </p:spPr>
+        </p:pic>
       </p:grpSp>
     </p:spTree>
     <p:extLst>

--- a/Poster_JieZhu.pptx
+++ b/Poster_JieZhu.pptx
@@ -302,7 +302,7 @@
           <a:p>
             <a:fld id="{2280919C-9BF4-2E48-B1DA-A899560EBF1A}" type="datetimeFigureOut">
               <a:rPr lang="en-US" smtClean="0"/>
-              <a:t>4/15/2022</a:t>
+              <a:t>4/20/2022</a:t>
             </a:fld>
             <a:endParaRPr lang="en-US"/>
           </a:p>
@@ -540,7 +540,7 @@
           <a:p>
             <a:fld id="{2280919C-9BF4-2E48-B1DA-A899560EBF1A}" type="datetimeFigureOut">
               <a:rPr lang="en-US" smtClean="0"/>
-              <a:t>4/15/2022</a:t>
+              <a:t>4/20/2022</a:t>
             </a:fld>
             <a:endParaRPr lang="en-US"/>
           </a:p>
@@ -718,7 +718,7 @@
           <a:p>
             <a:fld id="{2280919C-9BF4-2E48-B1DA-A899560EBF1A}" type="datetimeFigureOut">
               <a:rPr lang="en-US" smtClean="0"/>
-              <a:t>4/15/2022</a:t>
+              <a:t>4/20/2022</a:t>
             </a:fld>
             <a:endParaRPr lang="en-US"/>
           </a:p>
@@ -886,7 +886,7 @@
           <a:p>
             <a:fld id="{2280919C-9BF4-2E48-B1DA-A899560EBF1A}" type="datetimeFigureOut">
               <a:rPr lang="en-US" smtClean="0"/>
-              <a:t>4/15/2022</a:t>
+              <a:t>4/20/2022</a:t>
             </a:fld>
             <a:endParaRPr lang="en-US"/>
           </a:p>
@@ -1131,7 +1131,7 @@
           <a:p>
             <a:fld id="{2280919C-9BF4-2E48-B1DA-A899560EBF1A}" type="datetimeFigureOut">
               <a:rPr lang="en-US" smtClean="0"/>
-              <a:t>4/15/2022</a:t>
+              <a:t>4/20/2022</a:t>
             </a:fld>
             <a:endParaRPr lang="en-US"/>
           </a:p>
@@ -1416,7 +1416,7 @@
           <a:p>
             <a:fld id="{2280919C-9BF4-2E48-B1DA-A899560EBF1A}" type="datetimeFigureOut">
               <a:rPr lang="en-US" smtClean="0"/>
-              <a:t>4/15/2022</a:t>
+              <a:t>4/20/2022</a:t>
             </a:fld>
             <a:endParaRPr lang="en-US"/>
           </a:p>
@@ -1840,7 +1840,7 @@
           <a:p>
             <a:fld id="{2280919C-9BF4-2E48-B1DA-A899560EBF1A}" type="datetimeFigureOut">
               <a:rPr lang="en-US" smtClean="0"/>
-              <a:t>4/15/2022</a:t>
+              <a:t>4/20/2022</a:t>
             </a:fld>
             <a:endParaRPr lang="en-US"/>
           </a:p>
@@ -1957,7 +1957,7 @@
           <a:p>
             <a:fld id="{2280919C-9BF4-2E48-B1DA-A899560EBF1A}" type="datetimeFigureOut">
               <a:rPr lang="en-US" smtClean="0"/>
-              <a:t>4/15/2022</a:t>
+              <a:t>4/20/2022</a:t>
             </a:fld>
             <a:endParaRPr lang="en-US"/>
           </a:p>
@@ -2052,7 +2052,7 @@
           <a:p>
             <a:fld id="{2280919C-9BF4-2E48-B1DA-A899560EBF1A}" type="datetimeFigureOut">
               <a:rPr lang="en-US" smtClean="0"/>
-              <a:t>4/15/2022</a:t>
+              <a:t>4/20/2022</a:t>
             </a:fld>
             <a:endParaRPr lang="en-US"/>
           </a:p>
@@ -2327,7 +2327,7 @@
           <a:p>
             <a:fld id="{2280919C-9BF4-2E48-B1DA-A899560EBF1A}" type="datetimeFigureOut">
               <a:rPr lang="en-US" smtClean="0"/>
-              <a:t>4/15/2022</a:t>
+              <a:t>4/20/2022</a:t>
             </a:fld>
             <a:endParaRPr lang="en-US"/>
           </a:p>
@@ -2579,7 +2579,7 @@
           <a:p>
             <a:fld id="{2280919C-9BF4-2E48-B1DA-A899560EBF1A}" type="datetimeFigureOut">
               <a:rPr lang="en-US" smtClean="0"/>
-              <a:t>4/15/2022</a:t>
+              <a:t>4/20/2022</a:t>
             </a:fld>
             <a:endParaRPr lang="en-US"/>
           </a:p>
@@ -2790,7 +2790,7 @@
           <a:p>
             <a:fld id="{2280919C-9BF4-2E48-B1DA-A899560EBF1A}" type="datetimeFigureOut">
               <a:rPr lang="en-US" smtClean="0"/>
-              <a:t>4/15/2022</a:t>
+              <a:t>4/20/2022</a:t>
             </a:fld>
             <a:endParaRPr lang="en-US"/>
           </a:p>
@@ -4253,20 +4253,144 @@
           <a:p>
             <a:pPr lvl="1" indent="0"/>
             <a:r>
+              <a:rPr lang="en-US" altLang="zh-CN" sz="2400" dirty="0">
+                <a:latin typeface="Titillium Web" panose="00000500000000000000" pitchFamily="2" charset="0"/>
+                <a:ea typeface="Open Sans" panose="020B0606030504020204" pitchFamily="34" charset="0"/>
+                <a:cs typeface="Open Sans" panose="020B0606030504020204" pitchFamily="34" charset="0"/>
+              </a:rPr>
+              <a:t>I collected Ethereum daily price data from both GitHub and </a:t>
+            </a:r>
+            <a:r>
+              <a:rPr lang="en-US" altLang="zh-CN" sz="2400" dirty="0">
+                <a:latin typeface="Titillium Web" panose="00000500000000000000" pitchFamily="2" charset="0"/>
+                <a:ea typeface="Open Sans" panose="020B0606030504020204" pitchFamily="34" charset="0"/>
+                <a:cs typeface="Open Sans" panose="020B0606030504020204" pitchFamily="34" charset="0"/>
+                <a:hlinkClick r:id="rId3"/>
+              </a:rPr>
+              <a:t>Kaggle</a:t>
+            </a:r>
+            <a:r>
+              <a:rPr lang="en-US" altLang="zh-CN" sz="2400" dirty="0">
+                <a:latin typeface="Titillium Web" panose="00000500000000000000" pitchFamily="2" charset="0"/>
+                <a:ea typeface="Open Sans" panose="020B0606030504020204" pitchFamily="34" charset="0"/>
+                <a:cs typeface="Open Sans" panose="020B0606030504020204" pitchFamily="34" charset="0"/>
+              </a:rPr>
+              <a:t> since most of API can’t be used for individual free account, I found the data of 2015-2020 with open price, highest price, lowest price, close price and volume of the day. In order to test the performance, I split about 1 month data from the dataset as test set.</a:t>
+            </a:r>
+          </a:p>
+          <a:p>
+            <a:pPr lvl="1" indent="0"/>
+            <a:endParaRPr lang="en-US" sz="2400" dirty="0">
+              <a:latin typeface="Titillium Web" panose="00000500000000000000" pitchFamily="2" charset="0"/>
+              <a:ea typeface="Open Sans" panose="020B0606030504020204" pitchFamily="34" charset="0"/>
+              <a:cs typeface="Open Sans" panose="020B0606030504020204" pitchFamily="34" charset="0"/>
+            </a:endParaRPr>
+          </a:p>
+          <a:p>
+            <a:pPr marL="457200" indent="-457200">
+              <a:buFont typeface="+mj-lt"/>
+              <a:buAutoNum type="arabicPeriod"/>
+            </a:pPr>
+            <a:endParaRPr lang="en-US" sz="2400" dirty="0">
+              <a:latin typeface="Titillium Web" panose="00000500000000000000" pitchFamily="2" charset="0"/>
+              <a:ea typeface="Open Sans" panose="020B0606030504020204" pitchFamily="34" charset="0"/>
+              <a:cs typeface="Open Sans" panose="020B0606030504020204" pitchFamily="34" charset="0"/>
+            </a:endParaRPr>
+          </a:p>
+          <a:p>
+            <a:pPr marL="457200" indent="-457200">
+              <a:buFont typeface="+mj-lt"/>
+              <a:buAutoNum type="arabicPeriod"/>
+            </a:pPr>
+            <a:endParaRPr lang="en-US" sz="2400" dirty="0">
+              <a:latin typeface="Titillium Web" panose="00000500000000000000" pitchFamily="2" charset="0"/>
+              <a:ea typeface="Open Sans" panose="020B0606030504020204" pitchFamily="34" charset="0"/>
+              <a:cs typeface="Open Sans" panose="020B0606030504020204" pitchFamily="34" charset="0"/>
+            </a:endParaRPr>
+          </a:p>
+          <a:p>
+            <a:pPr marL="457200" indent="-457200">
+              <a:buFont typeface="+mj-lt"/>
+              <a:buAutoNum type="arabicPeriod"/>
+            </a:pPr>
+            <a:endParaRPr lang="en-US" sz="2400" dirty="0">
+              <a:latin typeface="Titillium Web" panose="00000500000000000000" pitchFamily="2" charset="0"/>
+              <a:ea typeface="Open Sans" panose="020B0606030504020204" pitchFamily="34" charset="0"/>
+              <a:cs typeface="Open Sans" panose="020B0606030504020204" pitchFamily="34" charset="0"/>
+            </a:endParaRPr>
+          </a:p>
+          <a:p>
+            <a:pPr marL="457200" indent="-457200">
+              <a:buFont typeface="+mj-lt"/>
+              <a:buAutoNum type="arabicPeriod"/>
+            </a:pPr>
+            <a:endParaRPr lang="en-US" sz="2400" dirty="0">
+              <a:latin typeface="Titillium Web" panose="00000500000000000000" pitchFamily="2" charset="0"/>
+              <a:ea typeface="Open Sans" panose="020B0606030504020204" pitchFamily="34" charset="0"/>
+              <a:cs typeface="Open Sans" panose="020B0606030504020204" pitchFamily="34" charset="0"/>
+            </a:endParaRPr>
+          </a:p>
+          <a:p>
+            <a:pPr marL="457200" indent="-457200">
+              <a:buFont typeface="+mj-lt"/>
+              <a:buAutoNum type="arabicPeriod"/>
+            </a:pPr>
+            <a:endParaRPr lang="en-US" sz="2400" dirty="0">
+              <a:latin typeface="Titillium Web" panose="00000500000000000000" pitchFamily="2" charset="0"/>
+              <a:ea typeface="Open Sans" panose="020B0606030504020204" pitchFamily="34" charset="0"/>
+              <a:cs typeface="Open Sans" panose="020B0606030504020204" pitchFamily="34" charset="0"/>
+            </a:endParaRPr>
+          </a:p>
+          <a:p>
+            <a:pPr marL="457200" indent="-457200">
+              <a:buFont typeface="+mj-lt"/>
+              <a:buAutoNum type="arabicPeriod"/>
+            </a:pPr>
+            <a:endParaRPr lang="en-US" sz="2400" dirty="0">
+              <a:latin typeface="Titillium Web" panose="00000500000000000000" pitchFamily="2" charset="0"/>
+              <a:ea typeface="Open Sans" panose="020B0606030504020204" pitchFamily="34" charset="0"/>
+              <a:cs typeface="Open Sans" panose="020B0606030504020204" pitchFamily="34" charset="0"/>
+            </a:endParaRPr>
+          </a:p>
+          <a:p>
+            <a:pPr marL="457200" indent="-457200">
+              <a:buFont typeface="+mj-lt"/>
+              <a:buAutoNum type="arabicPeriod"/>
+            </a:pPr>
+            <a:endParaRPr lang="en-US" sz="2400" dirty="0">
+              <a:latin typeface="Titillium Web" panose="00000500000000000000" pitchFamily="2" charset="0"/>
+              <a:ea typeface="Open Sans" panose="020B0606030504020204" pitchFamily="34" charset="0"/>
+              <a:cs typeface="Open Sans" panose="020B0606030504020204" pitchFamily="34" charset="0"/>
+            </a:endParaRPr>
+          </a:p>
+          <a:p>
+            <a:pPr marL="457200" indent="-457200">
+              <a:buFont typeface="+mj-lt"/>
+              <a:buAutoNum type="arabicPeriod"/>
+            </a:pPr>
+            <a:endParaRPr lang="en-US" sz="2400" dirty="0">
+              <a:latin typeface="Titillium Web" panose="00000500000000000000" pitchFamily="2" charset="0"/>
+              <a:ea typeface="Open Sans" panose="020B0606030504020204" pitchFamily="34" charset="0"/>
+              <a:cs typeface="Open Sans" panose="020B0606030504020204" pitchFamily="34" charset="0"/>
+            </a:endParaRPr>
+          </a:p>
+          <a:p>
+            <a:pPr lvl="1" indent="0"/>
+            <a:r>
               <a:rPr lang="en-US" sz="2400" dirty="0">
                 <a:latin typeface="Titillium Web" panose="00000500000000000000" pitchFamily="2" charset="0"/>
                 <a:ea typeface="Open Sans" panose="020B0606030504020204" pitchFamily="34" charset="0"/>
                 <a:cs typeface="Open Sans" panose="020B0606030504020204" pitchFamily="34" charset="0"/>
               </a:rPr>
-              <a:t>I collected Ethereum daily price data from </a:t>
-            </a:r>
-            <a:r>
-              <a:rPr lang="en-US" altLang="zh-CN" sz="2400" dirty="0">
+              <a:t>In order to have a better performance, when loading the training dataset, it will make a data normalization to scale the features by using </a:t>
+            </a:r>
+            <a:r>
+              <a:rPr lang="en-US" sz="2400" i="1" dirty="0">
                 <a:latin typeface="Titillium Web" panose="00000500000000000000" pitchFamily="2" charset="0"/>
                 <a:ea typeface="Open Sans" panose="020B0606030504020204" pitchFamily="34" charset="0"/>
                 <a:cs typeface="Open Sans" panose="020B0606030504020204" pitchFamily="34" charset="0"/>
               </a:rPr>
-              <a:t>both </a:t>
+              <a:t>StandardScaler() </a:t>
             </a:r>
             <a:r>
               <a:rPr lang="en-US" sz="2400" dirty="0">
@@ -4274,164 +4398,24 @@
                 <a:ea typeface="Open Sans" panose="020B0606030504020204" pitchFamily="34" charset="0"/>
                 <a:cs typeface="Open Sans" panose="020B0606030504020204" pitchFamily="34" charset="0"/>
               </a:rPr>
-              <a:t>GitHub and </a:t>
-            </a:r>
+              <a:t>in sklearn and store the mean and standard deviation values into the dataset class, which will be used during prediction. </a:t>
+            </a:r>
+          </a:p>
+          <a:p>
+            <a:pPr lvl="1" indent="0"/>
+            <a:endParaRPr lang="en-US" sz="2400" dirty="0">
+              <a:latin typeface="Titillium Web" panose="00000500000000000000" pitchFamily="2" charset="0"/>
+              <a:ea typeface="Open Sans" panose="020B0606030504020204" pitchFamily="34" charset="0"/>
+              <a:cs typeface="Open Sans" panose="020B0606030504020204" pitchFamily="34" charset="0"/>
+            </a:endParaRPr>
+          </a:p>
+          <a:p>
+            <a:pPr lvl="1" indent="0"/>
             <a:r>
               <a:rPr lang="en-US" sz="2400" dirty="0">
                 <a:latin typeface="Titillium Web" panose="00000500000000000000" pitchFamily="2" charset="0"/>
                 <a:ea typeface="Open Sans" panose="020B0606030504020204" pitchFamily="34" charset="0"/>
                 <a:cs typeface="Open Sans" panose="020B0606030504020204" pitchFamily="34" charset="0"/>
-                <a:hlinkClick r:id="rId3"/>
-              </a:rPr>
-              <a:t>Kaggle</a:t>
-            </a:r>
-            <a:r>
-              <a:rPr lang="en-US" sz="2400" dirty="0">
-                <a:latin typeface="Titillium Web" panose="00000500000000000000" pitchFamily="2" charset="0"/>
-                <a:ea typeface="Open Sans" panose="020B0606030504020204" pitchFamily="34" charset="0"/>
-                <a:cs typeface="Open Sans" panose="020B0606030504020204" pitchFamily="34" charset="0"/>
-              </a:rPr>
-              <a:t> since most of API can’t be used for individual free account, I found the data of 2015-2020 with open price, highest price, lowest price, close price and volume of the day. In order to test the performance, I split about 1 month data from the dataset as test set.</a:t>
-            </a:r>
-          </a:p>
-          <a:p>
-            <a:pPr lvl="1" indent="0"/>
-            <a:endParaRPr lang="en-US" sz="2400" dirty="0">
-              <a:latin typeface="Titillium Web" panose="00000500000000000000" pitchFamily="2" charset="0"/>
-              <a:ea typeface="Open Sans" panose="020B0606030504020204" pitchFamily="34" charset="0"/>
-              <a:cs typeface="Open Sans" panose="020B0606030504020204" pitchFamily="34" charset="0"/>
-            </a:endParaRPr>
-          </a:p>
-          <a:p>
-            <a:pPr marL="457200" indent="-457200">
-              <a:buFont typeface="+mj-lt"/>
-              <a:buAutoNum type="arabicPeriod"/>
-            </a:pPr>
-            <a:endParaRPr lang="en-US" sz="2400" dirty="0">
-              <a:latin typeface="Titillium Web" panose="00000500000000000000" pitchFamily="2" charset="0"/>
-              <a:ea typeface="Open Sans" panose="020B0606030504020204" pitchFamily="34" charset="0"/>
-              <a:cs typeface="Open Sans" panose="020B0606030504020204" pitchFamily="34" charset="0"/>
-            </a:endParaRPr>
-          </a:p>
-          <a:p>
-            <a:pPr marL="457200" indent="-457200">
-              <a:buFont typeface="+mj-lt"/>
-              <a:buAutoNum type="arabicPeriod"/>
-            </a:pPr>
-            <a:endParaRPr lang="en-US" sz="2400" dirty="0">
-              <a:latin typeface="Titillium Web" panose="00000500000000000000" pitchFamily="2" charset="0"/>
-              <a:ea typeface="Open Sans" panose="020B0606030504020204" pitchFamily="34" charset="0"/>
-              <a:cs typeface="Open Sans" panose="020B0606030504020204" pitchFamily="34" charset="0"/>
-            </a:endParaRPr>
-          </a:p>
-          <a:p>
-            <a:pPr marL="457200" indent="-457200">
-              <a:buFont typeface="+mj-lt"/>
-              <a:buAutoNum type="arabicPeriod"/>
-            </a:pPr>
-            <a:endParaRPr lang="en-US" sz="2400" dirty="0">
-              <a:latin typeface="Titillium Web" panose="00000500000000000000" pitchFamily="2" charset="0"/>
-              <a:ea typeface="Open Sans" panose="020B0606030504020204" pitchFamily="34" charset="0"/>
-              <a:cs typeface="Open Sans" panose="020B0606030504020204" pitchFamily="34" charset="0"/>
-            </a:endParaRPr>
-          </a:p>
-          <a:p>
-            <a:pPr marL="457200" indent="-457200">
-              <a:buFont typeface="+mj-lt"/>
-              <a:buAutoNum type="arabicPeriod"/>
-            </a:pPr>
-            <a:endParaRPr lang="en-US" sz="2400" dirty="0">
-              <a:latin typeface="Titillium Web" panose="00000500000000000000" pitchFamily="2" charset="0"/>
-              <a:ea typeface="Open Sans" panose="020B0606030504020204" pitchFamily="34" charset="0"/>
-              <a:cs typeface="Open Sans" panose="020B0606030504020204" pitchFamily="34" charset="0"/>
-            </a:endParaRPr>
-          </a:p>
-          <a:p>
-            <a:pPr marL="457200" indent="-457200">
-              <a:buFont typeface="+mj-lt"/>
-              <a:buAutoNum type="arabicPeriod"/>
-            </a:pPr>
-            <a:endParaRPr lang="en-US" sz="2400" dirty="0">
-              <a:latin typeface="Titillium Web" panose="00000500000000000000" pitchFamily="2" charset="0"/>
-              <a:ea typeface="Open Sans" panose="020B0606030504020204" pitchFamily="34" charset="0"/>
-              <a:cs typeface="Open Sans" panose="020B0606030504020204" pitchFamily="34" charset="0"/>
-            </a:endParaRPr>
-          </a:p>
-          <a:p>
-            <a:pPr marL="457200" indent="-457200">
-              <a:buFont typeface="+mj-lt"/>
-              <a:buAutoNum type="arabicPeriod"/>
-            </a:pPr>
-            <a:endParaRPr lang="en-US" sz="2400" dirty="0">
-              <a:latin typeface="Titillium Web" panose="00000500000000000000" pitchFamily="2" charset="0"/>
-              <a:ea typeface="Open Sans" panose="020B0606030504020204" pitchFamily="34" charset="0"/>
-              <a:cs typeface="Open Sans" panose="020B0606030504020204" pitchFamily="34" charset="0"/>
-            </a:endParaRPr>
-          </a:p>
-          <a:p>
-            <a:pPr marL="457200" indent="-457200">
-              <a:buFont typeface="+mj-lt"/>
-              <a:buAutoNum type="arabicPeriod"/>
-            </a:pPr>
-            <a:endParaRPr lang="en-US" sz="2400" dirty="0">
-              <a:latin typeface="Titillium Web" panose="00000500000000000000" pitchFamily="2" charset="0"/>
-              <a:ea typeface="Open Sans" panose="020B0606030504020204" pitchFamily="34" charset="0"/>
-              <a:cs typeface="Open Sans" panose="020B0606030504020204" pitchFamily="34" charset="0"/>
-            </a:endParaRPr>
-          </a:p>
-          <a:p>
-            <a:pPr marL="457200" indent="-457200">
-              <a:buFont typeface="+mj-lt"/>
-              <a:buAutoNum type="arabicPeriod"/>
-            </a:pPr>
-            <a:endParaRPr lang="en-US" sz="2400" dirty="0">
-              <a:latin typeface="Titillium Web" panose="00000500000000000000" pitchFamily="2" charset="0"/>
-              <a:ea typeface="Open Sans" panose="020B0606030504020204" pitchFamily="34" charset="0"/>
-              <a:cs typeface="Open Sans" panose="020B0606030504020204" pitchFamily="34" charset="0"/>
-            </a:endParaRPr>
-          </a:p>
-          <a:p>
-            <a:pPr lvl="1" indent="0"/>
-            <a:r>
-              <a:rPr lang="en-US" sz="2400" dirty="0">
-                <a:latin typeface="Titillium Web" panose="00000500000000000000" pitchFamily="2" charset="0"/>
-                <a:ea typeface="Open Sans" panose="020B0606030504020204" pitchFamily="34" charset="0"/>
-                <a:cs typeface="Open Sans" panose="020B0606030504020204" pitchFamily="34" charset="0"/>
-              </a:rPr>
-              <a:t>In order to have a better performance, when loading the training dataset, it will make a data normalization to scale the features by using </a:t>
-            </a:r>
-            <a:r>
-              <a:rPr lang="en-US" sz="2400" i="1" dirty="0">
-                <a:latin typeface="Titillium Web" panose="00000500000000000000" pitchFamily="2" charset="0"/>
-                <a:ea typeface="Open Sans" panose="020B0606030504020204" pitchFamily="34" charset="0"/>
-                <a:cs typeface="Open Sans" panose="020B0606030504020204" pitchFamily="34" charset="0"/>
-              </a:rPr>
-              <a:t>StandardScaler() </a:t>
-            </a:r>
-            <a:r>
-              <a:rPr lang="en-US" sz="2400" dirty="0">
-                <a:latin typeface="Titillium Web" panose="00000500000000000000" pitchFamily="2" charset="0"/>
-                <a:ea typeface="Open Sans" panose="020B0606030504020204" pitchFamily="34" charset="0"/>
-                <a:cs typeface="Open Sans" panose="020B0606030504020204" pitchFamily="34" charset="0"/>
-              </a:rPr>
-              <a:t>in sklearn and store the mean and standard deviation values into the dataset class, which will be used during prediction. </a:t>
-            </a:r>
-          </a:p>
-          <a:p>
-            <a:pPr lvl="1" indent="0"/>
-            <a:endParaRPr lang="en-US" sz="2400" dirty="0">
-              <a:latin typeface="Titillium Web" panose="00000500000000000000" pitchFamily="2" charset="0"/>
-              <a:ea typeface="Open Sans" panose="020B0606030504020204" pitchFamily="34" charset="0"/>
-              <a:cs typeface="Open Sans" panose="020B0606030504020204" pitchFamily="34" charset="0"/>
-            </a:endParaRPr>
-          </a:p>
-          <a:p>
-            <a:pPr lvl="1" indent="0"/>
-            <a:r>
-              <a:rPr lang="en-US" sz="2400" dirty="0">
-                <a:latin typeface="Titillium Web" panose="00000500000000000000" pitchFamily="2" charset="0"/>
-                <a:ea typeface="Open Sans" panose="020B0606030504020204" pitchFamily="34" charset="0"/>
-                <a:cs typeface="Open Sans" panose="020B0606030504020204" pitchFamily="34" charset="0"/>
               </a:rPr>
               <a:t>Furthermore, I wrote a consecutive sampling function to load the dataset  and transform them to the size like (batch_size, num_steps, input_features).</a:t>
             </a:r>
@@ -4748,6 +4732,17 @@
             </a:endParaRPr>
           </a:p>
           <a:p>
+            <a:endParaRPr lang="en-US" sz="2400" b="1" dirty="0">
+              <a:latin typeface="Titillium Web" panose="00000500000000000000" pitchFamily="2" charset="0"/>
+              <a:ea typeface="Open Sans" panose="020B0606030504020204" pitchFamily="34" charset="0"/>
+              <a:cs typeface="Open Sans" panose="020B0606030504020204" pitchFamily="34" charset="0"/>
+            </a:endParaRPr>
+          </a:p>
+          <a:p>
+            <a:pPr marL="457200" indent="-457200">
+              <a:buFont typeface="+mj-lt"/>
+              <a:buAutoNum type="arabicPeriod"/>
+            </a:pPr>
             <a:endParaRPr lang="en-US" sz="2400" b="1" dirty="0">
               <a:latin typeface="Titillium Web" panose="00000500000000000000" pitchFamily="2" charset="0"/>
               <a:ea typeface="Open Sans" panose="020B0606030504020204" pitchFamily="34" charset="0"/>
@@ -4870,7 +4865,7 @@
         <p:spPr bwMode="auto">
           <a:xfrm>
             <a:off x="22311361" y="8000232"/>
-            <a:ext cx="10058400" cy="14542443"/>
+            <a:ext cx="10058400" cy="16389102"/>
           </a:xfrm>
           <a:prstGeom prst="rect">
             <a:avLst/>
@@ -5035,27 +5030,30 @@
                 <a:ea typeface="Open Sans" panose="020B0606030504020204" pitchFamily="34" charset="0"/>
                 <a:cs typeface="Open Sans" panose="020B0606030504020204" pitchFamily="34" charset="0"/>
               </a:rPr>
-              <a:t>I trained 1,000 epochs, with 3-year history data and use another test dataset to evaluate the model. I choose all the last saving checkpoints (900 epochs) for each model.</a:t>
-            </a:r>
-          </a:p>
-          <a:p>
-            <a:endParaRPr lang="en-US" sz="2400" dirty="0">
-              <a:latin typeface="Titillium Web" panose="00000500000000000000" pitchFamily="2" charset="0"/>
-              <a:ea typeface="Open Sans" panose="020B0606030504020204" pitchFamily="34" charset="0"/>
-              <a:cs typeface="Open Sans" panose="020B0606030504020204" pitchFamily="34" charset="0"/>
-            </a:endParaRPr>
-          </a:p>
-          <a:p>
-            <a:r>
-              <a:rPr lang="en-US" sz="2400" dirty="0">
-                <a:latin typeface="Titillium Web" panose="00000500000000000000" pitchFamily="2" charset="0"/>
-                <a:ea typeface="Open Sans" panose="020B0606030504020204" pitchFamily="34" charset="0"/>
-                <a:cs typeface="Open Sans" panose="020B0606030504020204" pitchFamily="34" charset="0"/>
-              </a:rPr>
-              <a:t>I tested on one slice in training set and test set:</a:t>
-            </a:r>
-          </a:p>
-          <a:p>
+              <a:t>I trained 1,000 epochs, with 3-year history data and use another test dataset to evaluate the model.</a:t>
+            </a:r>
+            <a:endParaRPr lang="en-US" sz="2400" b="1" dirty="0">
+              <a:latin typeface="Titillium Web" panose="00000500000000000000" pitchFamily="2" charset="0"/>
+              <a:ea typeface="Open Sans" panose="020B0606030504020204" pitchFamily="34" charset="0"/>
+              <a:cs typeface="Open Sans" panose="020B0606030504020204" pitchFamily="34" charset="0"/>
+            </a:endParaRPr>
+          </a:p>
+          <a:p>
+            <a:pPr marL="457200" indent="-457200">
+              <a:buFont typeface="+mj-lt"/>
+              <a:buAutoNum type="arabicPeriod"/>
+            </a:pPr>
+            <a:endParaRPr lang="en-US" sz="2400" b="1" dirty="0">
+              <a:latin typeface="Titillium Web" panose="00000500000000000000" pitchFamily="2" charset="0"/>
+              <a:ea typeface="Open Sans" panose="020B0606030504020204" pitchFamily="34" charset="0"/>
+              <a:cs typeface="Open Sans" panose="020B0606030504020204" pitchFamily="34" charset="0"/>
+            </a:endParaRPr>
+          </a:p>
+          <a:p>
+            <a:pPr marL="457200" indent="-457200">
+              <a:buFont typeface="+mj-lt"/>
+              <a:buAutoNum type="arabicPeriod"/>
+            </a:pPr>
             <a:endParaRPr lang="en-US" sz="2400" b="1" dirty="0">
               <a:latin typeface="Titillium Web" panose="00000500000000000000" pitchFamily="2" charset="0"/>
               <a:ea typeface="Open Sans" panose="020B0606030504020204" pitchFamily="34" charset="0"/>
@@ -5075,6 +5073,94 @@
               </a:rPr>
               <a:t>LSTM</a:t>
             </a:r>
+          </a:p>
+          <a:p>
+            <a:pPr marL="457200" indent="-457200">
+              <a:buFont typeface="+mj-lt"/>
+              <a:buAutoNum type="arabicPeriod"/>
+            </a:pPr>
+            <a:endParaRPr lang="en-US" sz="2400" b="1" dirty="0">
+              <a:latin typeface="Titillium Web" panose="00000500000000000000" pitchFamily="2" charset="0"/>
+              <a:ea typeface="Open Sans" panose="020B0606030504020204" pitchFamily="34" charset="0"/>
+              <a:cs typeface="Open Sans" panose="020B0606030504020204" pitchFamily="34" charset="0"/>
+            </a:endParaRPr>
+          </a:p>
+          <a:p>
+            <a:pPr marL="457200" indent="-457200">
+              <a:buFont typeface="+mj-lt"/>
+              <a:buAutoNum type="arabicPeriod"/>
+            </a:pPr>
+            <a:endParaRPr lang="en-US" sz="2400" b="1" dirty="0">
+              <a:latin typeface="Titillium Web" panose="00000500000000000000" pitchFamily="2" charset="0"/>
+              <a:ea typeface="Open Sans" panose="020B0606030504020204" pitchFamily="34" charset="0"/>
+              <a:cs typeface="Open Sans" panose="020B0606030504020204" pitchFamily="34" charset="0"/>
+            </a:endParaRPr>
+          </a:p>
+          <a:p>
+            <a:pPr marL="457200" indent="-457200">
+              <a:buFont typeface="+mj-lt"/>
+              <a:buAutoNum type="arabicPeriod"/>
+            </a:pPr>
+            <a:endParaRPr lang="en-US" sz="2400" b="1" dirty="0">
+              <a:latin typeface="Titillium Web" panose="00000500000000000000" pitchFamily="2" charset="0"/>
+              <a:ea typeface="Open Sans" panose="020B0606030504020204" pitchFamily="34" charset="0"/>
+              <a:cs typeface="Open Sans" panose="020B0606030504020204" pitchFamily="34" charset="0"/>
+            </a:endParaRPr>
+          </a:p>
+          <a:p>
+            <a:pPr marL="457200" indent="-457200">
+              <a:buFont typeface="+mj-lt"/>
+              <a:buAutoNum type="arabicPeriod"/>
+            </a:pPr>
+            <a:endParaRPr lang="en-US" sz="2400" b="1" dirty="0">
+              <a:latin typeface="Titillium Web" panose="00000500000000000000" pitchFamily="2" charset="0"/>
+              <a:ea typeface="Open Sans" panose="020B0606030504020204" pitchFamily="34" charset="0"/>
+              <a:cs typeface="Open Sans" panose="020B0606030504020204" pitchFamily="34" charset="0"/>
+            </a:endParaRPr>
+          </a:p>
+          <a:p>
+            <a:pPr marL="457200" indent="-457200">
+              <a:buFont typeface="+mj-lt"/>
+              <a:buAutoNum type="arabicPeriod"/>
+            </a:pPr>
+            <a:endParaRPr lang="en-US" sz="2400" b="1" dirty="0">
+              <a:latin typeface="Titillium Web" panose="00000500000000000000" pitchFamily="2" charset="0"/>
+              <a:ea typeface="Open Sans" panose="020B0606030504020204" pitchFamily="34" charset="0"/>
+              <a:cs typeface="Open Sans" panose="020B0606030504020204" pitchFamily="34" charset="0"/>
+            </a:endParaRPr>
+          </a:p>
+          <a:p>
+            <a:pPr marL="457200" indent="-457200">
+              <a:buFont typeface="+mj-lt"/>
+              <a:buAutoNum type="arabicPeriod"/>
+            </a:pPr>
+            <a:endParaRPr lang="en-US" sz="2400" b="1" dirty="0">
+              <a:latin typeface="Titillium Web" panose="00000500000000000000" pitchFamily="2" charset="0"/>
+              <a:ea typeface="Open Sans" panose="020B0606030504020204" pitchFamily="34" charset="0"/>
+              <a:cs typeface="Open Sans" panose="020B0606030504020204" pitchFamily="34" charset="0"/>
+            </a:endParaRPr>
+          </a:p>
+          <a:p>
+            <a:pPr marL="457200" indent="-457200">
+              <a:buFont typeface="+mj-lt"/>
+              <a:buAutoNum type="arabicPeriod"/>
+            </a:pPr>
+            <a:endParaRPr lang="en-US" sz="2400" b="1" dirty="0">
+              <a:latin typeface="Titillium Web" panose="00000500000000000000" pitchFamily="2" charset="0"/>
+              <a:ea typeface="Open Sans" panose="020B0606030504020204" pitchFamily="34" charset="0"/>
+              <a:cs typeface="Open Sans" panose="020B0606030504020204" pitchFamily="34" charset="0"/>
+            </a:endParaRPr>
+          </a:p>
+          <a:p>
+            <a:pPr marL="457200" indent="-457200">
+              <a:buFont typeface="+mj-lt"/>
+              <a:buAutoNum type="arabicPeriod"/>
+            </a:pPr>
+            <a:endParaRPr lang="en-US" sz="2400" b="1" dirty="0">
+              <a:latin typeface="Titillium Web" panose="00000500000000000000" pitchFamily="2" charset="0"/>
+              <a:ea typeface="Open Sans" panose="020B0606030504020204" pitchFamily="34" charset="0"/>
+              <a:cs typeface="Open Sans" panose="020B0606030504020204" pitchFamily="34" charset="0"/>
+            </a:endParaRPr>
           </a:p>
           <a:p>
             <a:pPr marL="457200" indent="-457200">
@@ -5394,7 +5480,7 @@
         </p:nvSpPr>
         <p:spPr bwMode="auto">
           <a:xfrm>
-            <a:off x="33101279" y="7125252"/>
+            <a:off x="33067511" y="12029020"/>
             <a:ext cx="10058400" cy="784225"/>
           </a:xfrm>
           <a:prstGeom prst="rect">
@@ -5832,7 +5918,7 @@
         </p:nvSpPr>
         <p:spPr>
           <a:xfrm>
-            <a:off x="33157855" y="8321072"/>
+            <a:off x="33124087" y="13224840"/>
             <a:ext cx="9857035" cy="11172289"/>
           </a:xfrm>
           <a:prstGeom prst="rect">
@@ -6569,7 +6655,7 @@
         </p:nvGrpSpPr>
         <p:grpSpPr>
           <a:xfrm>
-            <a:off x="12453015" y="12671281"/>
+            <a:off x="12549601" y="12881306"/>
             <a:ext cx="8603585" cy="2741037"/>
             <a:chOff x="21406515" y="11957945"/>
             <a:chExt cx="8603585" cy="2741037"/>
@@ -6699,7 +6785,7 @@
         </p:nvGrpSpPr>
         <p:grpSpPr>
           <a:xfrm>
-            <a:off x="12976665" y="25732555"/>
+            <a:off x="13117563" y="25840561"/>
             <a:ext cx="7885881" cy="3917761"/>
             <a:chOff x="21921352" y="22823635"/>
             <a:chExt cx="7248525" cy="3457674"/>
@@ -6840,10 +6926,10 @@
         </p:nvGrpSpPr>
         <p:grpSpPr>
           <a:xfrm>
-            <a:off x="23390373" y="21993958"/>
-            <a:ext cx="6700147" cy="4778087"/>
-            <a:chOff x="22912707" y="22549889"/>
-            <a:chExt cx="7439483" cy="5437548"/>
+            <a:off x="23357793" y="24696072"/>
+            <a:ext cx="7965533" cy="5965716"/>
+            <a:chOff x="22855519" y="21015092"/>
+            <a:chExt cx="7284224" cy="5467010"/>
           </a:xfrm>
         </p:grpSpPr>
         <p:pic>
@@ -6862,13 +6948,13 @@
           </p:nvPicPr>
           <p:blipFill rotWithShape="1">
             <a:blip r:embed="rId9"/>
-            <a:srcRect l="5912" t="7305" r="7162" b="4936"/>
+            <a:srcRect l="7219" t="7474" r="8488" b="5670"/>
             <a:stretch/>
           </p:blipFill>
           <p:spPr>
             <a:xfrm>
-              <a:off x="22912707" y="22549889"/>
-              <a:ext cx="7439483" cy="5007258"/>
+              <a:off x="22855519" y="21015092"/>
+              <a:ext cx="7284224" cy="5003850"/>
             </a:xfrm>
             <a:prstGeom prst="rect">
               <a:avLst/>
@@ -6889,7 +6975,7 @@
           </p:nvSpPr>
           <p:spPr>
             <a:xfrm>
-              <a:off x="23968986" y="27618105"/>
+              <a:off x="23688534" y="26112770"/>
               <a:ext cx="5727937" cy="369332"/>
             </a:xfrm>
             <a:prstGeom prst="rect">
@@ -6935,35 +7021,7 @@
                   <a:ea typeface="Open Sans" panose="020B0606030504020204" pitchFamily="34" charset="0"/>
                   <a:cs typeface="Open Sans" panose="020B0606030504020204" pitchFamily="34" charset="0"/>
                 </a:rPr>
-                <a:t>Figure </a:t>
-              </a:r>
-              <a:r>
-                <a:rPr lang="en-US" altLang="zh-CN" sz="1800" dirty="0">
-                  <a:solidFill>
-                    <a:prstClr val="black"/>
-                  </a:solidFill>
-                  <a:latin typeface="Titillium Web" panose="00000500000000000000" pitchFamily="2" charset="0"/>
-                  <a:ea typeface="Open Sans" panose="020B0606030504020204" pitchFamily="34" charset="0"/>
-                  <a:cs typeface="Open Sans" panose="020B0606030504020204" pitchFamily="34" charset="0"/>
-                </a:rPr>
-                <a:t>5</a:t>
-              </a:r>
-              <a:r>
-                <a:rPr kumimoji="0" lang="en-US" altLang="zh-CN" sz="1800" b="0" i="0" u="none" strike="noStrike" kern="1200" cap="none" spc="0" normalizeH="0" baseline="0" noProof="0" dirty="0">
-                  <a:ln>
-                    <a:noFill/>
-                  </a:ln>
-                  <a:solidFill>
-                    <a:prstClr val="black"/>
-                  </a:solidFill>
-                  <a:effectLst/>
-                  <a:uLnTx/>
-                  <a:uFillTx/>
-                  <a:latin typeface="Titillium Web" panose="00000500000000000000" pitchFamily="2" charset="0"/>
-                  <a:ea typeface="Open Sans" panose="020B0606030504020204" pitchFamily="34" charset="0"/>
-                  <a:cs typeface="Open Sans" panose="020B0606030504020204" pitchFamily="34" charset="0"/>
-                </a:rPr>
-                <a:t>:  Prediction of GRU Model (Training set)</a:t>
+                <a:t>Figure 6:  Prediction of GRU Model</a:t>
               </a:r>
             </a:p>
           </p:txBody>
@@ -6974,7 +7032,7 @@
           <p:cNvPr id="10" name="组合 9">
             <a:extLst>
               <a:ext uri="{FF2B5EF4-FFF2-40B4-BE49-F238E27FC236}">
-                <a16:creationId xmlns:a16="http://schemas.microsoft.com/office/drawing/2014/main" id="{A173DF59-46D5-4AE5-8B33-F880B96E1FD1}"/>
+                <a16:creationId xmlns:a16="http://schemas.microsoft.com/office/drawing/2014/main" id="{8B1EED32-A550-4811-93CD-7548FEC7F8F4}"/>
               </a:ext>
             </a:extLst>
           </p:cNvPr>
@@ -6983,10 +7041,10 @@
         </p:nvGrpSpPr>
         <p:grpSpPr>
           <a:xfrm>
-            <a:off x="23362107" y="12116891"/>
-            <a:ext cx="6502988" cy="4580901"/>
-            <a:chOff x="23327778" y="14103959"/>
-            <a:chExt cx="7570471" cy="5799995"/>
+            <a:off x="23249703" y="11467372"/>
+            <a:ext cx="7972928" cy="5819554"/>
+            <a:chOff x="23485641" y="11879369"/>
+            <a:chExt cx="6918159" cy="5387914"/>
           </a:xfrm>
         </p:grpSpPr>
         <p:sp>
@@ -7003,8 +7061,8 @@
           </p:nvSpPr>
           <p:spPr>
             <a:xfrm>
-              <a:off x="24396714" y="19534622"/>
-              <a:ext cx="5727937" cy="369332"/>
+              <a:off x="24496825" y="16897951"/>
+              <a:ext cx="5000868" cy="369332"/>
             </a:xfrm>
             <a:prstGeom prst="rect">
               <a:avLst/>
@@ -7049,7 +7107,7 @@
                   <a:ea typeface="Open Sans" panose="020B0606030504020204" pitchFamily="34" charset="0"/>
                   <a:cs typeface="Open Sans" panose="020B0606030504020204" pitchFamily="34" charset="0"/>
                 </a:rPr>
-                <a:t>Figure 4:  Prediction of LSTM Model (Training set)</a:t>
+                <a:t>Figure 4:  Prediction of LSTM Model</a:t>
               </a:r>
             </a:p>
           </p:txBody>
@@ -7059,7 +7117,7 @@
             <p:cNvPr id="9" name="图片 8" descr="图表, 折线图&#10;&#10;描述已自动生成">
               <a:extLst>
                 <a:ext uri="{FF2B5EF4-FFF2-40B4-BE49-F238E27FC236}">
-                  <a16:creationId xmlns:a16="http://schemas.microsoft.com/office/drawing/2014/main" id="{F8EBB808-DF2F-47F6-956D-15184F4E06C5}"/>
+                  <a16:creationId xmlns:a16="http://schemas.microsoft.com/office/drawing/2014/main" id="{8C6017AB-CD43-4ADF-96A4-BBC8F2EF8AAC}"/>
                 </a:ext>
               </a:extLst>
             </p:cNvPr>
@@ -7070,13 +7128,13 @@
           </p:nvPicPr>
           <p:blipFill rotWithShape="1">
             <a:blip r:embed="rId10"/>
-            <a:srcRect l="8215" t="7541" r="8122" b="3940"/>
+            <a:srcRect l="7162" t="7351" r="8445" b="4751"/>
             <a:stretch/>
           </p:blipFill>
           <p:spPr>
             <a:xfrm>
-              <a:off x="23327778" y="14103959"/>
-              <a:ext cx="7570471" cy="5339908"/>
+              <a:off x="23485641" y="11879369"/>
+              <a:ext cx="6918159" cy="4803658"/>
             </a:xfrm>
             <a:prstGeom prst="rect">
               <a:avLst/>
@@ -7089,7 +7147,7 @@
           <p:cNvPr id="20" name="组合 19">
             <a:extLst>
               <a:ext uri="{FF2B5EF4-FFF2-40B4-BE49-F238E27FC236}">
-                <a16:creationId xmlns:a16="http://schemas.microsoft.com/office/drawing/2014/main" id="{76F931AA-9D9C-486B-8D75-4309F735A9BE}"/>
+                <a16:creationId xmlns:a16="http://schemas.microsoft.com/office/drawing/2014/main" id="{DE085591-5B84-40CA-976A-A1A6DA1B2DAA}"/>
               </a:ext>
             </a:extLst>
           </p:cNvPr>
@@ -7098,10 +7156,10 @@
         </p:nvGrpSpPr>
         <p:grpSpPr>
           <a:xfrm>
-            <a:off x="23374806" y="16957448"/>
-            <a:ext cx="6700147" cy="4441999"/>
-            <a:chOff x="24057611" y="17957267"/>
-            <a:chExt cx="6565900" cy="4899328"/>
+            <a:off x="23092115" y="17640167"/>
+            <a:ext cx="8519696" cy="5814224"/>
+            <a:chOff x="22688306" y="15871565"/>
+            <a:chExt cx="7202905" cy="5180137"/>
           </a:xfrm>
         </p:grpSpPr>
         <p:pic>
@@ -7109,7 +7167,7 @@
             <p:cNvPr id="14" name="图片 13" descr="图表, 折线图&#10;&#10;描述已自动生成">
               <a:extLst>
                 <a:ext uri="{FF2B5EF4-FFF2-40B4-BE49-F238E27FC236}">
-                  <a16:creationId xmlns:a16="http://schemas.microsoft.com/office/drawing/2014/main" id="{064CF05C-3BB5-439B-A72C-462B774F4673}"/>
+                  <a16:creationId xmlns:a16="http://schemas.microsoft.com/office/drawing/2014/main" id="{879BCA37-86EF-4203-B508-E80D74644CB0}"/>
                 </a:ext>
               </a:extLst>
             </p:cNvPr>
@@ -7120,13 +7178,13 @@
           </p:nvPicPr>
           <p:blipFill rotWithShape="1">
             <a:blip r:embed="rId11"/>
-            <a:srcRect l="7930" t="5983" r="6687" b="5741"/>
+            <a:srcRect l="6321" t="7763" r="5016" b="5495"/>
             <a:stretch/>
           </p:blipFill>
           <p:spPr>
             <a:xfrm>
-              <a:off x="24057611" y="17957267"/>
-              <a:ext cx="6565900" cy="4525606"/>
+              <a:off x="22688306" y="15871565"/>
+              <a:ext cx="7202905" cy="4697852"/>
             </a:xfrm>
             <a:prstGeom prst="rect">
               <a:avLst/>
@@ -7138,7 +7196,7 @@
             <p:cNvPr id="44" name="文本框 43">
               <a:extLst>
                 <a:ext uri="{FF2B5EF4-FFF2-40B4-BE49-F238E27FC236}">
-                  <a16:creationId xmlns:a16="http://schemas.microsoft.com/office/drawing/2014/main" id="{8EE11E8D-59D7-4C9B-A66B-8E8CACB7CC3A}"/>
+                  <a16:creationId xmlns:a16="http://schemas.microsoft.com/office/drawing/2014/main" id="{0857EA8F-EA93-4E04-A1F8-CA01C9E3C9CF}"/>
                 </a:ext>
               </a:extLst>
             </p:cNvPr>
@@ -7147,8 +7205,8 @@
           </p:nvSpPr>
           <p:spPr>
             <a:xfrm>
-              <a:off x="24702365" y="22482873"/>
-              <a:ext cx="5727937" cy="373722"/>
+              <a:off x="23736315" y="20682370"/>
+              <a:ext cx="5000868" cy="369332"/>
             </a:xfrm>
             <a:prstGeom prst="rect">
               <a:avLst/>
@@ -7193,7 +7251,7 @@
                   <a:ea typeface="Open Sans" panose="020B0606030504020204" pitchFamily="34" charset="0"/>
                   <a:cs typeface="Open Sans" panose="020B0606030504020204" pitchFamily="34" charset="0"/>
                 </a:rPr>
-                <a:t>Figure 4:  Prediction of LSTM Model (Test set)</a:t>
+                <a:t>Figure 5:  Prediction of LSTM Model</a:t>
               </a:r>
             </a:p>
           </p:txBody>
@@ -7204,7 +7262,7 @@
           <p:cNvPr id="25" name="组合 24">
             <a:extLst>
               <a:ext uri="{FF2B5EF4-FFF2-40B4-BE49-F238E27FC236}">
-                <a16:creationId xmlns:a16="http://schemas.microsoft.com/office/drawing/2014/main" id="{C37477FF-B85D-4CCC-ABE7-88C5721ED81C}"/>
+                <a16:creationId xmlns:a16="http://schemas.microsoft.com/office/drawing/2014/main" id="{EBEA4E0E-BAD9-461E-93BA-2DA564667CA2}"/>
               </a:ext>
             </a:extLst>
           </p:cNvPr>
@@ -7213,10 +7271,10 @@
         </p:nvGrpSpPr>
         <p:grpSpPr>
           <a:xfrm>
-            <a:off x="23497323" y="26945534"/>
-            <a:ext cx="6593197" cy="4399982"/>
-            <a:chOff x="23113185" y="25840561"/>
-            <a:chExt cx="6809818" cy="5185155"/>
+            <a:off x="34527518" y="6921757"/>
+            <a:ext cx="7294249" cy="4886981"/>
+            <a:chOff x="18111547" y="24365967"/>
+            <a:chExt cx="9311022" cy="6901844"/>
           </a:xfrm>
         </p:grpSpPr>
         <p:pic>
@@ -7224,7 +7282,7 @@
             <p:cNvPr id="24" name="图片 23" descr="图表, 折线图&#10;&#10;描述已自动生成">
               <a:extLst>
                 <a:ext uri="{FF2B5EF4-FFF2-40B4-BE49-F238E27FC236}">
-                  <a16:creationId xmlns:a16="http://schemas.microsoft.com/office/drawing/2014/main" id="{E3376A4C-9C95-4445-B97A-40F2DA5C69AC}"/>
+                  <a16:creationId xmlns:a16="http://schemas.microsoft.com/office/drawing/2014/main" id="{408AAF45-1E00-48E9-B79F-AC650D038228}"/>
                 </a:ext>
               </a:extLst>
             </p:cNvPr>
@@ -7235,13 +7293,13 @@
           </p:nvPicPr>
           <p:blipFill rotWithShape="1">
             <a:blip r:embed="rId12"/>
-            <a:srcRect l="6812" t="6787" r="8333" b="3905"/>
+            <a:srcRect l="6812" t="7986" r="8333" b="4687"/>
             <a:stretch/>
           </p:blipFill>
           <p:spPr>
             <a:xfrm>
-              <a:off x="23113185" y="25840561"/>
-              <a:ext cx="6809818" cy="4778087"/>
+              <a:off x="18111547" y="24365967"/>
+              <a:ext cx="9311022" cy="6388100"/>
             </a:xfrm>
             <a:prstGeom prst="rect">
               <a:avLst/>
@@ -7253,7 +7311,7 @@
             <p:cNvPr id="47" name="文本框 46">
               <a:extLst>
                 <a:ext uri="{FF2B5EF4-FFF2-40B4-BE49-F238E27FC236}">
-                  <a16:creationId xmlns:a16="http://schemas.microsoft.com/office/drawing/2014/main" id="{A37CB3B3-BB5B-4516-BF23-80F693691F01}"/>
+                  <a16:creationId xmlns:a16="http://schemas.microsoft.com/office/drawing/2014/main" id="{D0BA44B2-FC14-4FDB-A45D-7650129CA1E2}"/>
                 </a:ext>
               </a:extLst>
             </p:cNvPr>
@@ -7262,8 +7320,8 @@
           </p:nvSpPr>
           <p:spPr>
             <a:xfrm>
-              <a:off x="24072154" y="30656384"/>
-              <a:ext cx="5389618" cy="369332"/>
+              <a:off x="20067131" y="30746206"/>
+              <a:ext cx="5652428" cy="521605"/>
             </a:xfrm>
             <a:prstGeom prst="rect">
               <a:avLst/>
@@ -7308,35 +7366,7 @@
                   <a:ea typeface="Open Sans" panose="020B0606030504020204" pitchFamily="34" charset="0"/>
                   <a:cs typeface="Open Sans" panose="020B0606030504020204" pitchFamily="34" charset="0"/>
                 </a:rPr>
-                <a:t>Figure </a:t>
-              </a:r>
-              <a:r>
-                <a:rPr lang="en-US" altLang="zh-CN" sz="1800" dirty="0">
-                  <a:solidFill>
-                    <a:prstClr val="black"/>
-                  </a:solidFill>
-                  <a:latin typeface="Titillium Web" panose="00000500000000000000" pitchFamily="2" charset="0"/>
-                  <a:ea typeface="Open Sans" panose="020B0606030504020204" pitchFamily="34" charset="0"/>
-                  <a:cs typeface="Open Sans" panose="020B0606030504020204" pitchFamily="34" charset="0"/>
-                </a:rPr>
-                <a:t>5</a:t>
-              </a:r>
-              <a:r>
-                <a:rPr kumimoji="0" lang="en-US" altLang="zh-CN" sz="1800" b="0" i="0" u="none" strike="noStrike" kern="1200" cap="none" spc="0" normalizeH="0" baseline="0" noProof="0" dirty="0">
-                  <a:ln>
-                    <a:noFill/>
-                  </a:ln>
-                  <a:solidFill>
-                    <a:prstClr val="black"/>
-                  </a:solidFill>
-                  <a:effectLst/>
-                  <a:uLnTx/>
-                  <a:uFillTx/>
-                  <a:latin typeface="Titillium Web" panose="00000500000000000000" pitchFamily="2" charset="0"/>
-                  <a:ea typeface="Open Sans" panose="020B0606030504020204" pitchFamily="34" charset="0"/>
-                  <a:cs typeface="Open Sans" panose="020B0606030504020204" pitchFamily="34" charset="0"/>
-                </a:rPr>
-                <a:t>:  Prediction of GRU Model (Test set)</a:t>
+                <a:t>Figure 7:  Prediction of GRU Model</a:t>
               </a:r>
             </a:p>
           </p:txBody>
@@ -7347,7 +7377,7 @@
           <p:cNvPr id="28" name="组合 27">
             <a:extLst>
               <a:ext uri="{FF2B5EF4-FFF2-40B4-BE49-F238E27FC236}">
-                <a16:creationId xmlns:a16="http://schemas.microsoft.com/office/drawing/2014/main" id="{B3DF4B14-3DB5-43E2-883A-150818FAB7D2}"/>
+                <a16:creationId xmlns:a16="http://schemas.microsoft.com/office/drawing/2014/main" id="{39D3C1E4-17FD-40D0-AC0C-A5C9B9F465A4}"/>
               </a:ext>
             </a:extLst>
           </p:cNvPr>
@@ -7356,10 +7386,10 @@
         </p:nvGrpSpPr>
         <p:grpSpPr>
           <a:xfrm>
-            <a:off x="12248847" y="19163130"/>
-            <a:ext cx="8603585" cy="5755038"/>
-            <a:chOff x="12248847" y="19163130"/>
-            <a:chExt cx="8603585" cy="5755038"/>
+            <a:off x="12451451" y="19330576"/>
+            <a:ext cx="8799883" cy="5766773"/>
+            <a:chOff x="12386472" y="18666575"/>
+            <a:chExt cx="8718226" cy="6251593"/>
           </a:xfrm>
         </p:grpSpPr>
         <p:sp>
@@ -7432,7 +7462,7 @@
             <p:cNvPr id="27" name="图片 26" descr="图表, 直方图&#10;&#10;描述已自动生成">
               <a:extLst>
                 <a:ext uri="{FF2B5EF4-FFF2-40B4-BE49-F238E27FC236}">
-                  <a16:creationId xmlns:a16="http://schemas.microsoft.com/office/drawing/2014/main" id="{5BAEBEC1-879A-4AFB-A6F6-6428B78EBCAB}"/>
+                  <a16:creationId xmlns:a16="http://schemas.microsoft.com/office/drawing/2014/main" id="{9F838B03-B073-46BF-B0F8-BD2C73D5D440}"/>
                 </a:ext>
               </a:extLst>
             </p:cNvPr>
@@ -7443,13 +7473,13 @@
           </p:nvPicPr>
           <p:blipFill rotWithShape="1">
             <a:blip r:embed="rId13"/>
-            <a:srcRect l="6018" t="8768" r="8933" b="5261"/>
+            <a:srcRect l="6812" t="5960" r="8333" b="4732"/>
             <a:stretch/>
           </p:blipFill>
           <p:spPr>
             <a:xfrm>
-              <a:off x="12248847" y="19163130"/>
-              <a:ext cx="8603585" cy="5384894"/>
+              <a:off x="12386472" y="18666575"/>
+              <a:ext cx="8718226" cy="5814514"/>
             </a:xfrm>
             <a:prstGeom prst="rect">
               <a:avLst/>
